--- a/docs/Ketch Final.pptx
+++ b/docs/Ketch Final.pptx
@@ -32,18 +32,20 @@
     <p:sldId id="276" r:id="rId26"/>
     <p:sldId id="277" r:id="rId27"/>
     <p:sldId id="278" r:id="rId28"/>
+    <p:sldId id="279" r:id="rId29"/>
+    <p:sldId id="280" r:id="rId30"/>
   </p:sldIdLst>
   <p:sldSz cy="5143500" cx="9144000"/>
   <p:notesSz cx="6858000" cy="9144000"/>
   <p:embeddedFontLst>
     <p:embeddedFont>
       <p:font typeface="Average"/>
-      <p:regular r:id="rId29"/>
+      <p:regular r:id="rId31"/>
     </p:embeddedFont>
     <p:embeddedFont>
       <p:font typeface="Oswald"/>
-      <p:regular r:id="rId30"/>
-      <p:bold r:id="rId31"/>
+      <p:regular r:id="rId32"/>
+      <p:bold r:id="rId33"/>
     </p:embeddedFont>
   </p:embeddedFontLst>
   <p:defaultTextStyle>
@@ -500,7 +502,7 @@
   <p:cSld>
     <p:spTree>
       <p:nvGrpSpPr>
-        <p:cNvPr id="175" name="Shape 175"/>
+        <p:cNvPr id="170" name="Shape 170"/>
         <p:cNvGrpSpPr/>
         <p:nvPr/>
       </p:nvGrpSpPr>
@@ -514,7 +516,7 @@
       </p:grpSpPr>
       <p:sp>
         <p:nvSpPr>
-          <p:cNvPr id="176" name="Shape 176"/>
+          <p:cNvPr id="171" name="Shape 171"/>
           <p:cNvSpPr/>
           <p:nvPr>
             <p:ph idx="2" type="sldImg"/>
@@ -548,7 +550,7 @@
       </p:sp>
       <p:sp>
         <p:nvSpPr>
-          <p:cNvPr id="177" name="Shape 177"/>
+          <p:cNvPr id="172" name="Shape 172"/>
           <p:cNvSpPr txBox="1"/>
           <p:nvPr>
             <p:ph idx="1" type="body"/>
@@ -569,7 +571,7 @@
           </a:bodyPr>
           <a:lstStyle/>
           <a:p>
-            <a:pPr lvl="0" rtl="0">
+            <a:pPr lvl="0">
               <a:spcBef>
                 <a:spcPts val="0"/>
               </a:spcBef>
@@ -595,7 +597,7 @@
   <p:cSld>
     <p:spTree>
       <p:nvGrpSpPr>
-        <p:cNvPr id="185" name="Shape 185"/>
+        <p:cNvPr id="180" name="Shape 180"/>
         <p:cNvGrpSpPr/>
         <p:nvPr/>
       </p:nvGrpSpPr>
@@ -609,7 +611,7 @@
       </p:grpSpPr>
       <p:sp>
         <p:nvSpPr>
-          <p:cNvPr id="186" name="Shape 186"/>
+          <p:cNvPr id="181" name="Shape 181"/>
           <p:cNvSpPr/>
           <p:nvPr>
             <p:ph idx="2" type="sldImg"/>
@@ -643,7 +645,7 @@
       </p:sp>
       <p:sp>
         <p:nvSpPr>
-          <p:cNvPr id="187" name="Shape 187"/>
+          <p:cNvPr id="182" name="Shape 182"/>
           <p:cNvSpPr txBox="1"/>
           <p:nvPr>
             <p:ph idx="1" type="body"/>
@@ -690,7 +692,7 @@
   <p:cSld>
     <p:spTree>
       <p:nvGrpSpPr>
-        <p:cNvPr id="195" name="Shape 195"/>
+        <p:cNvPr id="190" name="Shape 190"/>
         <p:cNvGrpSpPr/>
         <p:nvPr/>
       </p:nvGrpSpPr>
@@ -704,7 +706,7 @@
       </p:grpSpPr>
       <p:sp>
         <p:nvSpPr>
-          <p:cNvPr id="196" name="Shape 196"/>
+          <p:cNvPr id="191" name="Shape 191"/>
           <p:cNvSpPr/>
           <p:nvPr>
             <p:ph idx="2" type="sldImg"/>
@@ -738,7 +740,7 @@
       </p:sp>
       <p:sp>
         <p:nvSpPr>
-          <p:cNvPr id="197" name="Shape 197"/>
+          <p:cNvPr id="192" name="Shape 192"/>
           <p:cNvSpPr txBox="1"/>
           <p:nvPr>
             <p:ph idx="1" type="body"/>
@@ -785,7 +787,7 @@
   <p:cSld>
     <p:spTree>
       <p:nvGrpSpPr>
-        <p:cNvPr id="204" name="Shape 204"/>
+        <p:cNvPr id="200" name="Shape 200"/>
         <p:cNvGrpSpPr/>
         <p:nvPr/>
       </p:nvGrpSpPr>
@@ -799,7 +801,7 @@
       </p:grpSpPr>
       <p:sp>
         <p:nvSpPr>
-          <p:cNvPr id="205" name="Shape 205"/>
+          <p:cNvPr id="201" name="Shape 201"/>
           <p:cNvSpPr/>
           <p:nvPr>
             <p:ph idx="2" type="sldImg"/>
@@ -807,8 +809,8 @@
         </p:nvSpPr>
         <p:spPr>
           <a:xfrm>
-            <a:off x="381187" y="685800"/>
-            <a:ext cx="6096299" cy="3429000"/>
+            <a:off x="381300" y="685800"/>
+            <a:ext cx="6096000" cy="3429000"/>
           </a:xfrm>
           <a:custGeom>
             <a:pathLst>
@@ -833,7 +835,7 @@
       </p:sp>
       <p:sp>
         <p:nvSpPr>
-          <p:cNvPr id="206" name="Shape 206"/>
+          <p:cNvPr id="202" name="Shape 202"/>
           <p:cNvSpPr txBox="1"/>
           <p:nvPr>
             <p:ph idx="1" type="body"/>
@@ -880,7 +882,7 @@
   <p:cSld>
     <p:spTree>
       <p:nvGrpSpPr>
-        <p:cNvPr id="211" name="Shape 211"/>
+        <p:cNvPr id="209" name="Shape 209"/>
         <p:cNvGrpSpPr/>
         <p:nvPr/>
       </p:nvGrpSpPr>
@@ -894,7 +896,7 @@
       </p:grpSpPr>
       <p:sp>
         <p:nvSpPr>
-          <p:cNvPr id="212" name="Shape 212"/>
+          <p:cNvPr id="210" name="Shape 210"/>
           <p:cNvSpPr/>
           <p:nvPr>
             <p:ph idx="2" type="sldImg"/>
@@ -928,7 +930,7 @@
       </p:sp>
       <p:sp>
         <p:nvSpPr>
-          <p:cNvPr id="213" name="Shape 213"/>
+          <p:cNvPr id="211" name="Shape 211"/>
           <p:cNvSpPr txBox="1"/>
           <p:nvPr>
             <p:ph idx="1" type="body"/>
@@ -975,7 +977,7 @@
   <p:cSld>
     <p:spTree>
       <p:nvGrpSpPr>
-        <p:cNvPr id="218" name="Shape 218"/>
+        <p:cNvPr id="216" name="Shape 216"/>
         <p:cNvGrpSpPr/>
         <p:nvPr/>
       </p:nvGrpSpPr>
@@ -989,7 +991,7 @@
       </p:grpSpPr>
       <p:sp>
         <p:nvSpPr>
-          <p:cNvPr id="219" name="Shape 219"/>
+          <p:cNvPr id="217" name="Shape 217"/>
           <p:cNvSpPr/>
           <p:nvPr>
             <p:ph idx="2" type="sldImg"/>
@@ -1023,7 +1025,7 @@
       </p:sp>
       <p:sp>
         <p:nvSpPr>
-          <p:cNvPr id="220" name="Shape 220"/>
+          <p:cNvPr id="218" name="Shape 218"/>
           <p:cNvSpPr txBox="1"/>
           <p:nvPr>
             <p:ph idx="1" type="body"/>
@@ -1070,7 +1072,7 @@
   <p:cSld>
     <p:spTree>
       <p:nvGrpSpPr>
-        <p:cNvPr id="225" name="Shape 225"/>
+        <p:cNvPr id="223" name="Shape 223"/>
         <p:cNvGrpSpPr/>
         <p:nvPr/>
       </p:nvGrpSpPr>
@@ -1084,7 +1086,7 @@
       </p:grpSpPr>
       <p:sp>
         <p:nvSpPr>
-          <p:cNvPr id="226" name="Shape 226"/>
+          <p:cNvPr id="224" name="Shape 224"/>
           <p:cNvSpPr/>
           <p:nvPr>
             <p:ph idx="2" type="sldImg"/>
@@ -1118,7 +1120,7 @@
       </p:sp>
       <p:sp>
         <p:nvSpPr>
-          <p:cNvPr id="227" name="Shape 227"/>
+          <p:cNvPr id="225" name="Shape 225"/>
           <p:cNvSpPr txBox="1"/>
           <p:nvPr>
             <p:ph idx="1" type="body"/>
@@ -1165,7 +1167,7 @@
   <p:cSld>
     <p:spTree>
       <p:nvGrpSpPr>
-        <p:cNvPr id="232" name="Shape 232"/>
+        <p:cNvPr id="230" name="Shape 230"/>
         <p:cNvGrpSpPr/>
         <p:nvPr/>
       </p:nvGrpSpPr>
@@ -1179,7 +1181,7 @@
       </p:grpSpPr>
       <p:sp>
         <p:nvSpPr>
-          <p:cNvPr id="233" name="Shape 233"/>
+          <p:cNvPr id="231" name="Shape 231"/>
           <p:cNvSpPr/>
           <p:nvPr>
             <p:ph idx="2" type="sldImg"/>
@@ -1213,7 +1215,7 @@
       </p:sp>
       <p:sp>
         <p:nvSpPr>
-          <p:cNvPr id="234" name="Shape 234"/>
+          <p:cNvPr id="232" name="Shape 232"/>
           <p:cNvSpPr txBox="1"/>
           <p:nvPr>
             <p:ph idx="1" type="body"/>
@@ -1260,7 +1262,7 @@
   <p:cSld>
     <p:spTree>
       <p:nvGrpSpPr>
-        <p:cNvPr id="239" name="Shape 239"/>
+        <p:cNvPr id="237" name="Shape 237"/>
         <p:cNvGrpSpPr/>
         <p:nvPr/>
       </p:nvGrpSpPr>
@@ -1274,7 +1276,7 @@
       </p:grpSpPr>
       <p:sp>
         <p:nvSpPr>
-          <p:cNvPr id="240" name="Shape 240"/>
+          <p:cNvPr id="238" name="Shape 238"/>
           <p:cNvSpPr/>
           <p:nvPr>
             <p:ph idx="2" type="sldImg"/>
@@ -1308,7 +1310,7 @@
       </p:sp>
       <p:sp>
         <p:nvSpPr>
-          <p:cNvPr id="241" name="Shape 241"/>
+          <p:cNvPr id="239" name="Shape 239"/>
           <p:cNvSpPr txBox="1"/>
           <p:nvPr>
             <p:ph idx="1" type="body"/>
@@ -1355,7 +1357,7 @@
   <p:cSld>
     <p:spTree>
       <p:nvGrpSpPr>
-        <p:cNvPr id="246" name="Shape 246"/>
+        <p:cNvPr id="244" name="Shape 244"/>
         <p:cNvGrpSpPr/>
         <p:nvPr/>
       </p:nvGrpSpPr>
@@ -1369,7 +1371,7 @@
       </p:grpSpPr>
       <p:sp>
         <p:nvSpPr>
-          <p:cNvPr id="247" name="Shape 247"/>
+          <p:cNvPr id="245" name="Shape 245"/>
           <p:cNvSpPr/>
           <p:nvPr>
             <p:ph idx="2" type="sldImg"/>
@@ -1403,7 +1405,7 @@
       </p:sp>
       <p:sp>
         <p:nvSpPr>
-          <p:cNvPr id="248" name="Shape 248"/>
+          <p:cNvPr id="246" name="Shape 246"/>
           <p:cNvSpPr txBox="1"/>
           <p:nvPr>
             <p:ph idx="1" type="body"/>
@@ -1545,7 +1547,7 @@
   <p:cSld>
     <p:spTree>
       <p:nvGrpSpPr>
-        <p:cNvPr id="255" name="Shape 255"/>
+        <p:cNvPr id="251" name="Shape 251"/>
         <p:cNvGrpSpPr/>
         <p:nvPr/>
       </p:nvGrpSpPr>
@@ -1559,7 +1561,7 @@
       </p:grpSpPr>
       <p:sp>
         <p:nvSpPr>
-          <p:cNvPr id="256" name="Shape 256"/>
+          <p:cNvPr id="252" name="Shape 252"/>
           <p:cNvSpPr/>
           <p:nvPr>
             <p:ph idx="2" type="sldImg"/>
@@ -1567,8 +1569,8 @@
         </p:nvSpPr>
         <p:spPr>
           <a:xfrm>
-            <a:off x="381300" y="685800"/>
-            <a:ext cx="6096000" cy="3429000"/>
+            <a:off x="381187" y="685800"/>
+            <a:ext cx="6096299" cy="3429000"/>
           </a:xfrm>
           <a:custGeom>
             <a:pathLst>
@@ -1593,7 +1595,7 @@
       </p:sp>
       <p:sp>
         <p:nvSpPr>
-          <p:cNvPr id="257" name="Shape 257"/>
+          <p:cNvPr id="253" name="Shape 253"/>
           <p:cNvSpPr txBox="1"/>
           <p:nvPr>
             <p:ph idx="1" type="body"/>
@@ -1614,7 +1616,7 @@
           </a:bodyPr>
           <a:lstStyle/>
           <a:p>
-            <a:pPr lvl="0">
+            <a:pPr lvl="0" rtl="0">
               <a:spcBef>
                 <a:spcPts val="0"/>
               </a:spcBef>
@@ -1640,7 +1642,7 @@
   <p:cSld>
     <p:spTree>
       <p:nvGrpSpPr>
-        <p:cNvPr id="262" name="Shape 262"/>
+        <p:cNvPr id="260" name="Shape 260"/>
         <p:cNvGrpSpPr/>
         <p:nvPr/>
       </p:nvGrpSpPr>
@@ -1654,7 +1656,7 @@
       </p:grpSpPr>
       <p:sp>
         <p:nvSpPr>
-          <p:cNvPr id="263" name="Shape 263"/>
+          <p:cNvPr id="261" name="Shape 261"/>
           <p:cNvSpPr/>
           <p:nvPr>
             <p:ph idx="2" type="sldImg"/>
@@ -1688,7 +1690,7 @@
       </p:sp>
       <p:sp>
         <p:nvSpPr>
-          <p:cNvPr id="264" name="Shape 264"/>
+          <p:cNvPr id="262" name="Shape 262"/>
           <p:cNvSpPr txBox="1"/>
           <p:nvPr>
             <p:ph idx="1" type="body"/>
@@ -1757,8 +1759,8 @@
         </p:nvSpPr>
         <p:spPr>
           <a:xfrm>
-            <a:off x="381187" y="685800"/>
-            <a:ext cx="6096299" cy="3429000"/>
+            <a:off x="381300" y="685800"/>
+            <a:ext cx="6096000" cy="3429000"/>
           </a:xfrm>
           <a:custGeom>
             <a:pathLst>
@@ -1804,7 +1806,7 @@
           </a:bodyPr>
           <a:lstStyle/>
           <a:p>
-            <a:pPr lvl="0" rtl="0">
+            <a:pPr lvl="0">
               <a:spcBef>
                 <a:spcPts val="0"/>
               </a:spcBef>
@@ -1830,7 +1832,7 @@
   <p:cSld>
     <p:spTree>
       <p:nvGrpSpPr>
-        <p:cNvPr id="273" name="Shape 273"/>
+        <p:cNvPr id="272" name="Shape 272"/>
         <p:cNvGrpSpPr/>
         <p:nvPr/>
       </p:nvGrpSpPr>
@@ -1844,7 +1846,7 @@
       </p:grpSpPr>
       <p:sp>
         <p:nvSpPr>
-          <p:cNvPr id="274" name="Shape 274"/>
+          <p:cNvPr id="273" name="Shape 273"/>
           <p:cNvSpPr/>
           <p:nvPr>
             <p:ph idx="2" type="sldImg"/>
@@ -1852,8 +1854,8 @@
         </p:nvSpPr>
         <p:spPr>
           <a:xfrm>
-            <a:off x="381300" y="685800"/>
-            <a:ext cx="6096000" cy="3429000"/>
+            <a:off x="381187" y="685800"/>
+            <a:ext cx="6096299" cy="3429000"/>
           </a:xfrm>
           <a:custGeom>
             <a:pathLst>
@@ -1878,7 +1880,197 @@
       </p:sp>
       <p:sp>
         <p:nvSpPr>
-          <p:cNvPr id="275" name="Shape 275"/>
+          <p:cNvPr id="274" name="Shape 274"/>
+          <p:cNvSpPr txBox="1"/>
+          <p:nvPr>
+            <p:ph idx="1" type="body"/>
+          </p:nvPr>
+        </p:nvSpPr>
+        <p:spPr>
+          <a:xfrm>
+            <a:off x="685800" y="4343400"/>
+            <a:ext cx="5486400" cy="4114800"/>
+          </a:xfrm>
+          <a:prstGeom prst="rect">
+            <a:avLst/>
+          </a:prstGeom>
+        </p:spPr>
+        <p:txBody>
+          <a:bodyPr anchorCtr="0" anchor="t" bIns="91425" lIns="91425" rIns="91425" tIns="91425">
+            <a:noAutofit/>
+          </a:bodyPr>
+          <a:lstStyle/>
+          <a:p>
+            <a:pPr lvl="0" rtl="0">
+              <a:spcBef>
+                <a:spcPts val="0"/>
+              </a:spcBef>
+              <a:buNone/>
+            </a:pPr>
+            <a:r>
+              <a:t/>
+            </a:r>
+            <a:endParaRPr/>
+          </a:p>
+        </p:txBody>
+      </p:sp>
+    </p:spTree>
+  </p:cSld>
+  <p:clrMapOvr>
+    <a:masterClrMapping/>
+  </p:clrMapOvr>
+</p:notes>
+</file>
+
+<file path=ppt/notesSlides/notesSlide24.xml><?xml version="1.0" encoding="utf-8"?>
+<p:notes xmlns:a="http://schemas.openxmlformats.org/drawingml/2006/main" xmlns:r="http://schemas.openxmlformats.org/officeDocument/2006/relationships" xmlns:mc="http://schemas.openxmlformats.org/markup-compatibility/2006" xmlns:mv="urn:schemas-microsoft-com:mac:vml" xmlns:p="http://schemas.openxmlformats.org/presentationml/2006/main" xmlns:c="http://schemas.openxmlformats.org/drawingml/2006/chart" xmlns:dgm="http://schemas.openxmlformats.org/drawingml/2006/diagram" xmlns:o="urn:schemas-microsoft-com:office:office" xmlns:v="urn:schemas-microsoft-com:vml" xmlns:pvml="urn:schemas-microsoft-com:office:powerpoint" xmlns:com="http://schemas.openxmlformats.org/drawingml/2006/compatibility" xmlns:p14="http://schemas.microsoft.com/office/powerpoint/2010/main" showMasterPhAnim="0" showMasterSp="0">
+  <p:cSld>
+    <p:spTree>
+      <p:nvGrpSpPr>
+        <p:cNvPr id="278" name="Shape 278"/>
+        <p:cNvGrpSpPr/>
+        <p:nvPr/>
+      </p:nvGrpSpPr>
+      <p:grpSpPr>
+        <a:xfrm>
+          <a:off x="0" y="0"/>
+          <a:ext cx="0" cy="0"/>
+          <a:chOff x="0" y="0"/>
+          <a:chExt cx="0" cy="0"/>
+        </a:xfrm>
+      </p:grpSpPr>
+      <p:sp>
+        <p:nvSpPr>
+          <p:cNvPr id="279" name="Shape 279"/>
+          <p:cNvSpPr/>
+          <p:nvPr>
+            <p:ph idx="2" type="sldImg"/>
+          </p:nvPr>
+        </p:nvSpPr>
+        <p:spPr>
+          <a:xfrm>
+            <a:off x="381300" y="685800"/>
+            <a:ext cx="6096000" cy="3429000"/>
+          </a:xfrm>
+          <a:custGeom>
+            <a:pathLst>
+              <a:path extrusionOk="0" h="120000" w="120000">
+                <a:moveTo>
+                  <a:pt x="0" y="0"/>
+                </a:moveTo>
+                <a:lnTo>
+                  <a:pt x="120000" y="0"/>
+                </a:lnTo>
+                <a:lnTo>
+                  <a:pt x="120000" y="120000"/>
+                </a:lnTo>
+                <a:lnTo>
+                  <a:pt x="0" y="120000"/>
+                </a:lnTo>
+                <a:close/>
+              </a:path>
+            </a:pathLst>
+          </a:custGeom>
+        </p:spPr>
+      </p:sp>
+      <p:sp>
+        <p:nvSpPr>
+          <p:cNvPr id="280" name="Shape 280"/>
+          <p:cNvSpPr txBox="1"/>
+          <p:nvPr>
+            <p:ph idx="1" type="body"/>
+          </p:nvPr>
+        </p:nvSpPr>
+        <p:spPr>
+          <a:xfrm>
+            <a:off x="685800" y="4343400"/>
+            <a:ext cx="5486400" cy="4114800"/>
+          </a:xfrm>
+          <a:prstGeom prst="rect">
+            <a:avLst/>
+          </a:prstGeom>
+        </p:spPr>
+        <p:txBody>
+          <a:bodyPr anchorCtr="0" anchor="t" bIns="91425" lIns="91425" rIns="91425" tIns="91425">
+            <a:noAutofit/>
+          </a:bodyPr>
+          <a:lstStyle/>
+          <a:p>
+            <a:pPr lvl="0">
+              <a:spcBef>
+                <a:spcPts val="0"/>
+              </a:spcBef>
+              <a:buNone/>
+            </a:pPr>
+            <a:r>
+              <a:t/>
+            </a:r>
+            <a:endParaRPr/>
+          </a:p>
+        </p:txBody>
+      </p:sp>
+    </p:spTree>
+  </p:cSld>
+  <p:clrMapOvr>
+    <a:masterClrMapping/>
+  </p:clrMapOvr>
+</p:notes>
+</file>
+
+<file path=ppt/notesSlides/notesSlide25.xml><?xml version="1.0" encoding="utf-8"?>
+<p:notes xmlns:a="http://schemas.openxmlformats.org/drawingml/2006/main" xmlns:r="http://schemas.openxmlformats.org/officeDocument/2006/relationships" xmlns:mc="http://schemas.openxmlformats.org/markup-compatibility/2006" xmlns:mv="urn:schemas-microsoft-com:mac:vml" xmlns:p="http://schemas.openxmlformats.org/presentationml/2006/main" xmlns:c="http://schemas.openxmlformats.org/drawingml/2006/chart" xmlns:dgm="http://schemas.openxmlformats.org/drawingml/2006/diagram" xmlns:o="urn:schemas-microsoft-com:office:office" xmlns:v="urn:schemas-microsoft-com:vml" xmlns:pvml="urn:schemas-microsoft-com:office:powerpoint" xmlns:com="http://schemas.openxmlformats.org/drawingml/2006/compatibility" xmlns:p14="http://schemas.microsoft.com/office/powerpoint/2010/main" showMasterPhAnim="0" showMasterSp="0">
+  <p:cSld>
+    <p:spTree>
+      <p:nvGrpSpPr>
+        <p:cNvPr id="284" name="Shape 284"/>
+        <p:cNvGrpSpPr/>
+        <p:nvPr/>
+      </p:nvGrpSpPr>
+      <p:grpSpPr>
+        <a:xfrm>
+          <a:off x="0" y="0"/>
+          <a:ext cx="0" cy="0"/>
+          <a:chOff x="0" y="0"/>
+          <a:chExt cx="0" cy="0"/>
+        </a:xfrm>
+      </p:grpSpPr>
+      <p:sp>
+        <p:nvSpPr>
+          <p:cNvPr id="285" name="Shape 285"/>
+          <p:cNvSpPr/>
+          <p:nvPr>
+            <p:ph idx="2" type="sldImg"/>
+          </p:nvPr>
+        </p:nvSpPr>
+        <p:spPr>
+          <a:xfrm>
+            <a:off x="381300" y="685800"/>
+            <a:ext cx="6096000" cy="3429000"/>
+          </a:xfrm>
+          <a:custGeom>
+            <a:pathLst>
+              <a:path extrusionOk="0" h="120000" w="120000">
+                <a:moveTo>
+                  <a:pt x="0" y="0"/>
+                </a:moveTo>
+                <a:lnTo>
+                  <a:pt x="120000" y="0"/>
+                </a:lnTo>
+                <a:lnTo>
+                  <a:pt x="120000" y="120000"/>
+                </a:lnTo>
+                <a:lnTo>
+                  <a:pt x="0" y="120000"/>
+                </a:lnTo>
+                <a:close/>
+              </a:path>
+            </a:pathLst>
+          </a:custGeom>
+        </p:spPr>
+      </p:sp>
+      <p:sp>
+        <p:nvSpPr>
+          <p:cNvPr id="286" name="Shape 286"/>
           <p:cNvSpPr txBox="1"/>
           <p:nvPr>
             <p:ph idx="1" type="body"/>
@@ -2115,7 +2307,7 @@
   <p:cSld>
     <p:spTree>
       <p:nvGrpSpPr>
-        <p:cNvPr id="129" name="Shape 129"/>
+        <p:cNvPr id="126" name="Shape 126"/>
         <p:cNvGrpSpPr/>
         <p:nvPr/>
       </p:nvGrpSpPr>
@@ -2129,7 +2321,7 @@
       </p:grpSpPr>
       <p:sp>
         <p:nvSpPr>
-          <p:cNvPr id="130" name="Shape 130"/>
+          <p:cNvPr id="127" name="Shape 127"/>
           <p:cNvSpPr/>
           <p:nvPr>
             <p:ph idx="2" type="sldImg"/>
@@ -2163,7 +2355,7 @@
       </p:sp>
       <p:sp>
         <p:nvSpPr>
-          <p:cNvPr id="131" name="Shape 131"/>
+          <p:cNvPr id="128" name="Shape 128"/>
           <p:cNvSpPr txBox="1"/>
           <p:nvPr>
             <p:ph idx="1" type="body"/>
@@ -2210,7 +2402,7 @@
   <p:cSld>
     <p:spTree>
       <p:nvGrpSpPr>
-        <p:cNvPr id="135" name="Shape 135"/>
+        <p:cNvPr id="134" name="Shape 134"/>
         <p:cNvGrpSpPr/>
         <p:nvPr/>
       </p:nvGrpSpPr>
@@ -2224,7 +2416,7 @@
       </p:grpSpPr>
       <p:sp>
         <p:nvSpPr>
-          <p:cNvPr id="136" name="Shape 136"/>
+          <p:cNvPr id="135" name="Shape 135"/>
           <p:cNvSpPr/>
           <p:nvPr>
             <p:ph idx="2" type="sldImg"/>
@@ -2258,7 +2450,7 @@
       </p:sp>
       <p:sp>
         <p:nvSpPr>
-          <p:cNvPr id="137" name="Shape 137"/>
+          <p:cNvPr id="136" name="Shape 136"/>
           <p:cNvSpPr txBox="1"/>
           <p:nvPr>
             <p:ph idx="1" type="body"/>
@@ -2305,7 +2497,7 @@
   <p:cSld>
     <p:spTree>
       <p:nvGrpSpPr>
-        <p:cNvPr id="145" name="Shape 145"/>
+        <p:cNvPr id="140" name="Shape 140"/>
         <p:cNvGrpSpPr/>
         <p:nvPr/>
       </p:nvGrpSpPr>
@@ -2319,7 +2511,7 @@
       </p:grpSpPr>
       <p:sp>
         <p:nvSpPr>
-          <p:cNvPr id="146" name="Shape 146"/>
+          <p:cNvPr id="141" name="Shape 141"/>
           <p:cNvSpPr/>
           <p:nvPr>
             <p:ph idx="2" type="sldImg"/>
@@ -2353,7 +2545,7 @@
       </p:sp>
       <p:sp>
         <p:nvSpPr>
-          <p:cNvPr id="147" name="Shape 147"/>
+          <p:cNvPr id="142" name="Shape 142"/>
           <p:cNvSpPr txBox="1"/>
           <p:nvPr>
             <p:ph idx="1" type="body"/>
@@ -2374,7 +2566,7 @@
           </a:bodyPr>
           <a:lstStyle/>
           <a:p>
-            <a:pPr lvl="0" rtl="0">
+            <a:pPr lvl="0">
               <a:spcBef>
                 <a:spcPts val="0"/>
               </a:spcBef>
@@ -2400,7 +2592,7 @@
   <p:cSld>
     <p:spTree>
       <p:nvGrpSpPr>
-        <p:cNvPr id="154" name="Shape 154"/>
+        <p:cNvPr id="150" name="Shape 150"/>
         <p:cNvGrpSpPr/>
         <p:nvPr/>
       </p:nvGrpSpPr>
@@ -2414,7 +2606,7 @@
       </p:grpSpPr>
       <p:sp>
         <p:nvSpPr>
-          <p:cNvPr id="155" name="Shape 155"/>
+          <p:cNvPr id="151" name="Shape 151"/>
           <p:cNvSpPr/>
           <p:nvPr>
             <p:ph idx="2" type="sldImg"/>
@@ -2448,7 +2640,7 @@
       </p:sp>
       <p:sp>
         <p:nvSpPr>
-          <p:cNvPr id="156" name="Shape 156"/>
+          <p:cNvPr id="152" name="Shape 152"/>
           <p:cNvSpPr txBox="1"/>
           <p:nvPr>
             <p:ph idx="1" type="body"/>
@@ -2469,7 +2661,7 @@
           </a:bodyPr>
           <a:lstStyle/>
           <a:p>
-            <a:pPr lvl="0">
+            <a:pPr lvl="0" rtl="0">
               <a:spcBef>
                 <a:spcPts val="0"/>
               </a:spcBef>
@@ -2495,7 +2687,7 @@
   <p:cSld>
     <p:spTree>
       <p:nvGrpSpPr>
-        <p:cNvPr id="165" name="Shape 165"/>
+        <p:cNvPr id="159" name="Shape 159"/>
         <p:cNvGrpSpPr/>
         <p:nvPr/>
       </p:nvGrpSpPr>
@@ -2509,7 +2701,7 @@
       </p:grpSpPr>
       <p:sp>
         <p:nvSpPr>
-          <p:cNvPr id="166" name="Shape 166"/>
+          <p:cNvPr id="160" name="Shape 160"/>
           <p:cNvSpPr/>
           <p:nvPr>
             <p:ph idx="2" type="sldImg"/>
@@ -2543,7 +2735,7 @@
       </p:sp>
       <p:sp>
         <p:nvSpPr>
-          <p:cNvPr id="167" name="Shape 167"/>
+          <p:cNvPr id="161" name="Shape 161"/>
           <p:cNvSpPr txBox="1"/>
           <p:nvPr>
             <p:ph idx="1" type="body"/>
@@ -9593,7 +9785,7 @@
   <p:cSld>
     <p:spTree>
       <p:nvGrpSpPr>
-        <p:cNvPr id="178" name="Shape 178"/>
+        <p:cNvPr id="173" name="Shape 173"/>
         <p:cNvGrpSpPr/>
         <p:nvPr/>
       </p:nvGrpSpPr>
@@ -9607,7 +9799,7 @@
       </p:grpSpPr>
       <p:sp>
         <p:nvSpPr>
-          <p:cNvPr id="179" name="Shape 179"/>
+          <p:cNvPr id="174" name="Shape 174"/>
           <p:cNvSpPr txBox="1"/>
           <p:nvPr>
             <p:ph type="title"/>
@@ -9628,7 +9820,7 @@
           </a:bodyPr>
           <a:lstStyle/>
           <a:p>
-            <a:pPr lvl="0" rtl="0">
+            <a:pPr lvl="0">
               <a:spcBef>
                 <a:spcPts val="0"/>
               </a:spcBef>
@@ -9636,14 +9828,14 @@
             </a:pPr>
             <a:r>
               <a:rPr lang="en"/>
-              <a:t>Account Page and Changing Zip-Code</a:t>
+              <a:t>Message Function and Rating System</a:t>
             </a:r>
           </a:p>
         </p:txBody>
       </p:sp>
       <p:sp>
         <p:nvSpPr>
-          <p:cNvPr id="180" name="Shape 180"/>
+          <p:cNvPr id="175" name="Shape 175"/>
           <p:cNvSpPr txBox="1"/>
           <p:nvPr>
             <p:ph idx="1" type="body"/>
@@ -9652,7 +9844,7 @@
         <p:spPr>
           <a:xfrm>
             <a:off x="311700" y="1152475"/>
-            <a:ext cx="2412900" cy="3416400"/>
+            <a:ext cx="2614200" cy="3416400"/>
           </a:xfrm>
           <a:prstGeom prst="rect">
             <a:avLst/>
@@ -9671,76 +9863,60 @@
             </a:pPr>
             <a:r>
               <a:rPr lang="en"/>
-              <a:t>Account Page holds the </a:t>
-            </a:r>
+              <a:t>Chat Tab brings you to you message inbox</a:t>
+            </a:r>
+          </a:p>
+          <a:p>
+            <a:pPr lvl="0" rtl="0">
+              <a:spcBef>
+                <a:spcPts val="0"/>
+              </a:spcBef>
+              <a:buNone/>
+            </a:pPr>
+            <a:r>
+              <a:t/>
+            </a:r>
+            <a:endParaRPr/>
+          </a:p>
+          <a:p>
+            <a:pPr indent="-228600" lvl="0" marL="457200" rtl="0">
+              <a:spcBef>
+                <a:spcPts val="0"/>
+              </a:spcBef>
+            </a:pPr>
             <a:r>
               <a:rPr lang="en"/>
-              <a:t>User's</a:t>
-            </a:r>
+              <a:t>Once you click on a name it brings up the individual conversation</a:t>
+            </a:r>
+          </a:p>
+          <a:p>
+            <a:pPr lvl="0" rtl="0">
+              <a:spcBef>
+                <a:spcPts val="0"/>
+              </a:spcBef>
+              <a:buNone/>
+            </a:pPr>
+            <a:r>
+              <a:t/>
+            </a:r>
+            <a:endParaRPr/>
+          </a:p>
+          <a:p>
+            <a:pPr indent="-228600" lvl="0" marL="457200">
+              <a:spcBef>
+                <a:spcPts val="0"/>
+              </a:spcBef>
+            </a:pPr>
             <a:r>
               <a:rPr lang="en"/>
-              <a:t> information</a:t>
-            </a:r>
-          </a:p>
-          <a:p>
-            <a:pPr lvl="0" rtl="0">
-              <a:spcBef>
-                <a:spcPts val="0"/>
-              </a:spcBef>
-              <a:buNone/>
-            </a:pPr>
-            <a:r>
-              <a:t/>
-            </a:r>
-            <a:endParaRPr/>
-          </a:p>
-          <a:p>
-            <a:pPr indent="-228600" lvl="0" marL="457200" rtl="0">
-              <a:spcBef>
-                <a:spcPts val="0"/>
-              </a:spcBef>
-            </a:pPr>
-            <a:r>
-              <a:rPr lang="en"/>
-              <a:t>The User can view his/her </a:t>
-            </a:r>
-            <a:r>
-              <a:rPr lang="en"/>
-              <a:t>Favorited</a:t>
-            </a:r>
-            <a:r>
-              <a:rPr lang="en"/>
-              <a:t> Items and Reviews</a:t>
-            </a:r>
-          </a:p>
-          <a:p>
-            <a:pPr lvl="0" rtl="0">
-              <a:spcBef>
-                <a:spcPts val="0"/>
-              </a:spcBef>
-              <a:buNone/>
-            </a:pPr>
-            <a:r>
-              <a:t/>
-            </a:r>
-            <a:endParaRPr/>
-          </a:p>
-          <a:p>
-            <a:pPr indent="-228600" lvl="0" marL="457200" rtl="0">
-              <a:spcBef>
-                <a:spcPts val="0"/>
-              </a:spcBef>
-            </a:pPr>
-            <a:r>
-              <a:rPr lang="en"/>
-              <a:t>The User may also Log Out from the Account Page.</a:t>
+              <a:t>If you click User Rating you can see the reviews for a person</a:t>
             </a:r>
           </a:p>
         </p:txBody>
       </p:sp>
       <p:sp>
         <p:nvSpPr>
-          <p:cNvPr id="181" name="Shape 181"/>
+          <p:cNvPr id="176" name="Shape 176"/>
           <p:cNvSpPr txBox="1"/>
           <p:nvPr>
             <p:ph idx="2" type="body"/>
@@ -9761,7 +9937,7 @@
           </a:bodyPr>
           <a:lstStyle/>
           <a:p>
-            <a:pPr lvl="0" rtl="0">
+            <a:pPr lvl="0">
               <a:spcBef>
                 <a:spcPts val="0"/>
               </a:spcBef>
@@ -9776,7 +9952,7 @@
       </p:sp>
       <p:pic>
         <p:nvPicPr>
-          <p:cNvPr id="182" name="Shape 182"/>
+          <p:cNvPr id="177" name="Shape 177"/>
           <p:cNvPicPr preferRelativeResize="0"/>
           <p:nvPr/>
         </p:nvPicPr>
@@ -9790,7 +9966,7 @@
         </p:blipFill>
         <p:spPr>
           <a:xfrm>
-            <a:off x="6933150" y="1152475"/>
+            <a:off x="3023425" y="1152475"/>
             <a:ext cx="1866649" cy="3416400"/>
           </a:xfrm>
           <a:prstGeom prst="rect">
@@ -9804,7 +9980,7 @@
       </p:pic>
       <p:pic>
         <p:nvPicPr>
-          <p:cNvPr id="183" name="Shape 183"/>
+          <p:cNvPr id="178" name="Shape 178"/>
           <p:cNvPicPr preferRelativeResize="0"/>
           <p:nvPr/>
         </p:nvPicPr>
@@ -9818,8 +9994,8 @@
         </p:blipFill>
         <p:spPr>
           <a:xfrm>
-            <a:off x="4991575" y="1152475"/>
-            <a:ext cx="1866649" cy="3416400"/>
+            <a:off x="4987600" y="1152475"/>
+            <a:ext cx="1866650" cy="3416400"/>
           </a:xfrm>
           <a:prstGeom prst="rect">
             <a:avLst/>
@@ -9832,7 +10008,7 @@
       </p:pic>
       <p:pic>
         <p:nvPicPr>
-          <p:cNvPr id="184" name="Shape 184"/>
+          <p:cNvPr id="179" name="Shape 179"/>
           <p:cNvPicPr preferRelativeResize="0"/>
           <p:nvPr/>
         </p:nvPicPr>
@@ -9846,8 +10022,8 @@
         </p:blipFill>
         <p:spPr>
           <a:xfrm>
-            <a:off x="3017500" y="1152475"/>
-            <a:ext cx="1866649" cy="3416400"/>
+            <a:off x="6951775" y="1152475"/>
+            <a:ext cx="1866650" cy="3416400"/>
           </a:xfrm>
           <a:prstGeom prst="rect">
             <a:avLst/>
@@ -9871,7 +10047,7 @@
   <p:cSld>
     <p:spTree>
       <p:nvGrpSpPr>
-        <p:cNvPr id="188" name="Shape 188"/>
+        <p:cNvPr id="183" name="Shape 183"/>
         <p:cNvGrpSpPr/>
         <p:nvPr/>
       </p:nvGrpSpPr>
@@ -9885,7 +10061,7 @@
       </p:grpSpPr>
       <p:sp>
         <p:nvSpPr>
-          <p:cNvPr id="189" name="Shape 189"/>
+          <p:cNvPr id="184" name="Shape 184"/>
           <p:cNvSpPr txBox="1"/>
           <p:nvPr>
             <p:ph type="title"/>
@@ -9914,14 +10090,14 @@
             </a:pPr>
             <a:r>
               <a:rPr lang="en"/>
-              <a:t>Favorited Items</a:t>
+              <a:t>Account Page and Changing Zip-Code</a:t>
             </a:r>
           </a:p>
         </p:txBody>
       </p:sp>
       <p:sp>
         <p:nvSpPr>
-          <p:cNvPr id="190" name="Shape 190"/>
+          <p:cNvPr id="185" name="Shape 185"/>
           <p:cNvSpPr txBox="1"/>
           <p:nvPr>
             <p:ph idx="1" type="body"/>
@@ -9930,7 +10106,7 @@
         <p:spPr>
           <a:xfrm>
             <a:off x="311700" y="1152475"/>
-            <a:ext cx="2549400" cy="3416400"/>
+            <a:ext cx="2412900" cy="3416400"/>
           </a:xfrm>
           <a:prstGeom prst="rect">
             <a:avLst/>
@@ -9949,7 +10125,15 @@
             </a:pPr>
             <a:r>
               <a:rPr lang="en"/>
-              <a:t>Users can click the heart on item pages to “favorite” them and track them</a:t>
+              <a:t>Account Page holds the </a:t>
+            </a:r>
+            <a:r>
+              <a:rPr lang="en"/>
+              <a:t>User's</a:t>
+            </a:r>
+            <a:r>
+              <a:rPr lang="en"/>
+              <a:t> information</a:t>
             </a:r>
           </a:p>
           <a:p>
@@ -9972,14 +10156,45 @@
             </a:pPr>
             <a:r>
               <a:rPr lang="en"/>
-              <a:t>These favorited items are stored on the Account Page</a:t>
+              <a:t>The User can view his/her </a:t>
+            </a:r>
+            <a:r>
+              <a:rPr lang="en"/>
+              <a:t>Favorited</a:t>
+            </a:r>
+            <a:r>
+              <a:rPr lang="en"/>
+              <a:t> Items and Reviews</a:t>
+            </a:r>
+          </a:p>
+          <a:p>
+            <a:pPr lvl="0" rtl="0">
+              <a:spcBef>
+                <a:spcPts val="0"/>
+              </a:spcBef>
+              <a:buNone/>
+            </a:pPr>
+            <a:r>
+              <a:t/>
+            </a:r>
+            <a:endParaRPr/>
+          </a:p>
+          <a:p>
+            <a:pPr indent="-228600" lvl="0" marL="457200" rtl="0">
+              <a:spcBef>
+                <a:spcPts val="0"/>
+              </a:spcBef>
+            </a:pPr>
+            <a:r>
+              <a:rPr lang="en"/>
+              <a:t>The User may also Log Out from the Account Page.</a:t>
             </a:r>
           </a:p>
         </p:txBody>
       </p:sp>
       <p:sp>
         <p:nvSpPr>
-          <p:cNvPr id="191" name="Shape 191"/>
+          <p:cNvPr id="186" name="Shape 186"/>
           <p:cNvSpPr txBox="1"/>
           <p:nvPr>
             <p:ph idx="2" type="body"/>
@@ -10015,7 +10230,7 @@
       </p:sp>
       <p:pic>
         <p:nvPicPr>
-          <p:cNvPr id="192" name="Shape 192"/>
+          <p:cNvPr id="187" name="Shape 187"/>
           <p:cNvPicPr preferRelativeResize="0"/>
           <p:nvPr/>
         </p:nvPicPr>
@@ -10029,7 +10244,7 @@
         </p:blipFill>
         <p:spPr>
           <a:xfrm>
-            <a:off x="6965650" y="1152475"/>
+            <a:off x="6933150" y="1152475"/>
             <a:ext cx="1866649" cy="3416400"/>
           </a:xfrm>
           <a:prstGeom prst="rect">
@@ -10043,7 +10258,7 @@
       </p:pic>
       <p:pic>
         <p:nvPicPr>
-          <p:cNvPr id="193" name="Shape 193"/>
+          <p:cNvPr id="188" name="Shape 188"/>
           <p:cNvPicPr preferRelativeResize="0"/>
           <p:nvPr/>
         </p:nvPicPr>
@@ -10057,8 +10272,8 @@
         </p:blipFill>
         <p:spPr>
           <a:xfrm>
-            <a:off x="3017800" y="1152475"/>
-            <a:ext cx="1866625" cy="3416400"/>
+            <a:off x="4991575" y="1152475"/>
+            <a:ext cx="1866649" cy="3416400"/>
           </a:xfrm>
           <a:prstGeom prst="rect">
             <a:avLst/>
@@ -10071,7 +10286,7 @@
       </p:pic>
       <p:pic>
         <p:nvPicPr>
-          <p:cNvPr id="194" name="Shape 194"/>
+          <p:cNvPr id="189" name="Shape 189"/>
           <p:cNvPicPr preferRelativeResize="0"/>
           <p:nvPr/>
         </p:nvPicPr>
@@ -10085,8 +10300,8 @@
         </p:blipFill>
         <p:spPr>
           <a:xfrm>
-            <a:off x="4991725" y="1152475"/>
-            <a:ext cx="1866625" cy="3416400"/>
+            <a:off x="3017500" y="1152475"/>
+            <a:ext cx="1866649" cy="3416400"/>
           </a:xfrm>
           <a:prstGeom prst="rect">
             <a:avLst/>
@@ -10110,7 +10325,7 @@
   <p:cSld>
     <p:spTree>
       <p:nvGrpSpPr>
-        <p:cNvPr id="198" name="Shape 198"/>
+        <p:cNvPr id="193" name="Shape 193"/>
         <p:cNvGrpSpPr/>
         <p:nvPr/>
       </p:nvGrpSpPr>
@@ -10124,7 +10339,7 @@
       </p:grpSpPr>
       <p:sp>
         <p:nvSpPr>
-          <p:cNvPr id="199" name="Shape 199"/>
+          <p:cNvPr id="194" name="Shape 194"/>
           <p:cNvSpPr txBox="1"/>
           <p:nvPr>
             <p:ph type="title"/>
@@ -10153,14 +10368,14 @@
             </a:pPr>
             <a:r>
               <a:rPr lang="en"/>
-              <a:t>Review System</a:t>
+              <a:t>Favorited Items</a:t>
             </a:r>
           </a:p>
         </p:txBody>
       </p:sp>
       <p:sp>
         <p:nvSpPr>
-          <p:cNvPr id="200" name="Shape 200"/>
+          <p:cNvPr id="195" name="Shape 195"/>
           <p:cNvSpPr txBox="1"/>
           <p:nvPr>
             <p:ph idx="1" type="body"/>
@@ -10169,7 +10384,7 @@
         <p:spPr>
           <a:xfrm>
             <a:off x="311700" y="1152475"/>
-            <a:ext cx="3108600" cy="3416400"/>
+            <a:ext cx="2549400" cy="3416400"/>
           </a:xfrm>
           <a:prstGeom prst="rect">
             <a:avLst/>
@@ -10188,7 +10403,7 @@
             </a:pPr>
             <a:r>
               <a:rPr lang="en"/>
-              <a:t>Can be viewed by through the Messaging Function</a:t>
+              <a:t>Users can click the heart on item pages to “favorite” them and track them</a:t>
             </a:r>
           </a:p>
           <a:p>
@@ -10204,18 +10419,6 @@
             <a:endParaRPr/>
           </a:p>
           <a:p>
-            <a:pPr lvl="0" rtl="0">
-              <a:spcBef>
-                <a:spcPts val="0"/>
-              </a:spcBef>
-              <a:buNone/>
-            </a:pPr>
-            <a:r>
-              <a:t/>
-            </a:r>
-            <a:endParaRPr/>
-          </a:p>
-          <a:p>
             <a:pPr indent="-228600" lvl="0" marL="457200" rtl="0">
               <a:spcBef>
                 <a:spcPts val="0"/>
@@ -10223,14 +10426,14 @@
             </a:pPr>
             <a:r>
               <a:rPr lang="en"/>
-              <a:t>User can view on Reviews on their Account Page</a:t>
+              <a:t>These favorited items are stored on the Account Page</a:t>
             </a:r>
           </a:p>
         </p:txBody>
       </p:sp>
       <p:sp>
         <p:nvSpPr>
-          <p:cNvPr id="201" name="Shape 201"/>
+          <p:cNvPr id="196" name="Shape 196"/>
           <p:cNvSpPr txBox="1"/>
           <p:nvPr>
             <p:ph idx="2" type="body"/>
@@ -10266,7 +10469,7 @@
       </p:sp>
       <p:pic>
         <p:nvPicPr>
-          <p:cNvPr id="202" name="Shape 202"/>
+          <p:cNvPr id="197" name="Shape 197"/>
           <p:cNvPicPr preferRelativeResize="0"/>
           <p:nvPr/>
         </p:nvPicPr>
@@ -10280,8 +10483,8 @@
         </p:blipFill>
         <p:spPr>
           <a:xfrm>
-            <a:off x="6217000" y="1152475"/>
-            <a:ext cx="1866651" cy="3416399"/>
+            <a:off x="6965650" y="1152475"/>
+            <a:ext cx="1866649" cy="3416400"/>
           </a:xfrm>
           <a:prstGeom prst="rect">
             <a:avLst/>
@@ -10294,7 +10497,7 @@
       </p:pic>
       <p:pic>
         <p:nvPicPr>
-          <p:cNvPr id="203" name="Shape 203"/>
+          <p:cNvPr id="198" name="Shape 198"/>
           <p:cNvPicPr preferRelativeResize="0"/>
           <p:nvPr/>
         </p:nvPicPr>
@@ -10308,8 +10511,36 @@
         </p:blipFill>
         <p:spPr>
           <a:xfrm>
-            <a:off x="3798050" y="1152475"/>
-            <a:ext cx="1866650" cy="3416400"/>
+            <a:off x="3017800" y="1152475"/>
+            <a:ext cx="1866625" cy="3416400"/>
+          </a:xfrm>
+          <a:prstGeom prst="rect">
+            <a:avLst/>
+          </a:prstGeom>
+          <a:noFill/>
+          <a:ln>
+            <a:noFill/>
+          </a:ln>
+        </p:spPr>
+      </p:pic>
+      <p:pic>
+        <p:nvPicPr>
+          <p:cNvPr id="199" name="Shape 199"/>
+          <p:cNvPicPr preferRelativeResize="0"/>
+          <p:nvPr/>
+        </p:nvPicPr>
+        <p:blipFill>
+          <a:blip r:embed="rId5">
+            <a:alphaModFix/>
+          </a:blip>
+          <a:stretch>
+            <a:fillRect/>
+          </a:stretch>
+        </p:blipFill>
+        <p:spPr>
+          <a:xfrm>
+            <a:off x="4991725" y="1152475"/>
+            <a:ext cx="1866625" cy="3416400"/>
           </a:xfrm>
           <a:prstGeom prst="rect">
             <a:avLst/>
@@ -10331,16 +10562,9 @@
 <file path=ppt/slides/slide13.xml><?xml version="1.0" encoding="utf-8"?>
 <p:sld xmlns:a="http://schemas.openxmlformats.org/drawingml/2006/main" xmlns:r="http://schemas.openxmlformats.org/officeDocument/2006/relationships" xmlns:mc="http://schemas.openxmlformats.org/markup-compatibility/2006" xmlns:mv="urn:schemas-microsoft-com:mac:vml" xmlns:p="http://schemas.openxmlformats.org/presentationml/2006/main" xmlns:c="http://schemas.openxmlformats.org/drawingml/2006/chart" xmlns:dgm="http://schemas.openxmlformats.org/drawingml/2006/diagram" xmlns:o="urn:schemas-microsoft-com:office:office" xmlns:v="urn:schemas-microsoft-com:vml" xmlns:pvml="urn:schemas-microsoft-com:office:powerpoint" xmlns:com="http://schemas.openxmlformats.org/drawingml/2006/compatibility" xmlns:p14="http://schemas.microsoft.com/office/powerpoint/2010/main">
   <p:cSld>
-    <p:bg>
-      <p:bgPr>
-        <a:solidFill>
-          <a:srgbClr val="FFFFFF"/>
-        </a:solidFill>
-      </p:bgPr>
-    </p:bg>
     <p:spTree>
       <p:nvGrpSpPr>
-        <p:cNvPr id="207" name="Shape 207"/>
+        <p:cNvPr id="203" name="Shape 203"/>
         <p:cNvGrpSpPr/>
         <p:nvPr/>
       </p:nvGrpSpPr>
@@ -10354,7 +10578,7 @@
       </p:grpSpPr>
       <p:sp>
         <p:nvSpPr>
-          <p:cNvPr id="208" name="Shape 208"/>
+          <p:cNvPr id="204" name="Shape 204"/>
           <p:cNvSpPr txBox="1"/>
           <p:nvPr>
             <p:ph type="title"/>
@@ -10362,15 +10586,15 @@
         </p:nvSpPr>
         <p:spPr>
           <a:xfrm>
-            <a:off x="0" y="0"/>
-            <a:ext cx="9144000" cy="1131000"/>
+            <a:off x="311700" y="445025"/>
+            <a:ext cx="8520600" cy="572700"/>
           </a:xfrm>
           <a:prstGeom prst="rect">
             <a:avLst/>
           </a:prstGeom>
         </p:spPr>
         <p:txBody>
-          <a:bodyPr anchorCtr="0" anchor="ctr" bIns="91425" lIns="91425" rIns="91425" tIns="91425">
+          <a:bodyPr anchorCtr="0" anchor="t" bIns="91425" lIns="91425" rIns="91425" tIns="91425">
             <a:noAutofit/>
           </a:bodyPr>
           <a:lstStyle/>
@@ -10383,68 +10607,120 @@
             </a:pPr>
             <a:r>
               <a:rPr lang="en"/>
-              <a:t>Homepage</a:t>
+              <a:t>Review System</a:t>
             </a:r>
           </a:p>
         </p:txBody>
       </p:sp>
       <p:sp>
         <p:nvSpPr>
-          <p:cNvPr id="209" name="Shape 209"/>
-          <p:cNvSpPr/>
-          <p:nvPr/>
-        </p:nvSpPr>
-        <p:spPr>
-          <a:xfrm>
-            <a:off x="50" y="-13650"/>
-            <a:ext cx="9144000" cy="1144800"/>
-          </a:xfrm>
-          <a:prstGeom prst="rect">
-            <a:avLst/>
-          </a:prstGeom>
-          <a:solidFill>
-            <a:schemeClr val="lt1"/>
-          </a:solidFill>
-          <a:ln cap="flat" cmpd="sng" w="9525">
-            <a:solidFill>
-              <a:schemeClr val="dk2"/>
-            </a:solidFill>
-            <a:prstDash val="solid"/>
-            <a:round/>
-            <a:headEnd len="med" w="med" type="none"/>
-            <a:tailEnd len="med" w="med" type="none"/>
-          </a:ln>
+          <p:cNvPr id="205" name="Shape 205"/>
+          <p:cNvSpPr txBox="1"/>
+          <p:nvPr>
+            <p:ph idx="1" type="body"/>
+          </p:nvPr>
+        </p:nvSpPr>
+        <p:spPr>
+          <a:xfrm>
+            <a:off x="311700" y="1152475"/>
+            <a:ext cx="3108600" cy="3416400"/>
+          </a:xfrm>
+          <a:prstGeom prst="rect">
+            <a:avLst/>
+          </a:prstGeom>
         </p:spPr>
         <p:txBody>
-          <a:bodyPr anchorCtr="0" anchor="ctr" bIns="91425" lIns="91425" rIns="91425" tIns="91425">
+          <a:bodyPr anchorCtr="0" anchor="t" bIns="91425" lIns="91425" rIns="91425" tIns="91425">
             <a:noAutofit/>
           </a:bodyPr>
           <a:lstStyle/>
           <a:p>
-            <a:pPr lvl="0" rtl="0" algn="ctr">
-              <a:spcBef>
-                <a:spcPts val="0"/>
-              </a:spcBef>
-              <a:buNone/>
-            </a:pPr>
-            <a:r>
-              <a:rPr lang="en" sz="3600">
-                <a:solidFill>
-                  <a:schemeClr val="dk1"/>
-                </a:solidFill>
-                <a:latin typeface="Oswald"/>
-                <a:ea typeface="Oswald"/>
-                <a:cs typeface="Oswald"/>
-                <a:sym typeface="Oswald"/>
-              </a:rPr>
-              <a:t>Homepage</a:t>
-            </a:r>
+            <a:pPr indent="-228600" lvl="0" marL="457200" rtl="0">
+              <a:spcBef>
+                <a:spcPts val="0"/>
+              </a:spcBef>
+            </a:pPr>
+            <a:r>
+              <a:rPr lang="en"/>
+              <a:t>Can be viewed by through the Messaging Function</a:t>
+            </a:r>
+          </a:p>
+          <a:p>
+            <a:pPr lvl="0" rtl="0">
+              <a:spcBef>
+                <a:spcPts val="0"/>
+              </a:spcBef>
+              <a:buNone/>
+            </a:pPr>
+            <a:r>
+              <a:t/>
+            </a:r>
+            <a:endParaRPr/>
+          </a:p>
+          <a:p>
+            <a:pPr lvl="0" rtl="0">
+              <a:spcBef>
+                <a:spcPts val="0"/>
+              </a:spcBef>
+              <a:buNone/>
+            </a:pPr>
+            <a:r>
+              <a:t/>
+            </a:r>
+            <a:endParaRPr/>
+          </a:p>
+          <a:p>
+            <a:pPr indent="-228600" lvl="0" marL="457200" rtl="0">
+              <a:spcBef>
+                <a:spcPts val="0"/>
+              </a:spcBef>
+            </a:pPr>
+            <a:r>
+              <a:rPr lang="en"/>
+              <a:t>User can view on Reviews on their Account Page</a:t>
+            </a:r>
+          </a:p>
+        </p:txBody>
+      </p:sp>
+      <p:sp>
+        <p:nvSpPr>
+          <p:cNvPr id="206" name="Shape 206"/>
+          <p:cNvSpPr txBox="1"/>
+          <p:nvPr>
+            <p:ph idx="2" type="body"/>
+          </p:nvPr>
+        </p:nvSpPr>
+        <p:spPr>
+          <a:xfrm>
+            <a:off x="4832400" y="1152475"/>
+            <a:ext cx="3999900" cy="3416400"/>
+          </a:xfrm>
+          <a:prstGeom prst="rect">
+            <a:avLst/>
+          </a:prstGeom>
+        </p:spPr>
+        <p:txBody>
+          <a:bodyPr anchorCtr="0" anchor="t" bIns="91425" lIns="91425" rIns="91425" tIns="91425">
+            <a:noAutofit/>
+          </a:bodyPr>
+          <a:lstStyle/>
+          <a:p>
+            <a:pPr lvl="0" rtl="0">
+              <a:spcBef>
+                <a:spcPts val="0"/>
+              </a:spcBef>
+              <a:buNone/>
+            </a:pPr>
+            <a:r>
+              <a:t/>
+            </a:r>
+            <a:endParaRPr/>
           </a:p>
         </p:txBody>
       </p:sp>
       <p:pic>
         <p:nvPicPr>
-          <p:cNvPr id="210" name="Shape 210"/>
+          <p:cNvPr id="207" name="Shape 207"/>
           <p:cNvPicPr preferRelativeResize="0"/>
           <p:nvPr/>
         </p:nvPicPr>
@@ -10458,8 +10734,36 @@
         </p:blipFill>
         <p:spPr>
           <a:xfrm>
-            <a:off x="1930425" y="1131000"/>
-            <a:ext cx="5283149" cy="4012499"/>
+            <a:off x="6217000" y="1152475"/>
+            <a:ext cx="1866651" cy="3416399"/>
+          </a:xfrm>
+          <a:prstGeom prst="rect">
+            <a:avLst/>
+          </a:prstGeom>
+          <a:noFill/>
+          <a:ln>
+            <a:noFill/>
+          </a:ln>
+        </p:spPr>
+      </p:pic>
+      <p:pic>
+        <p:nvPicPr>
+          <p:cNvPr id="208" name="Shape 208"/>
+          <p:cNvPicPr preferRelativeResize="0"/>
+          <p:nvPr/>
+        </p:nvPicPr>
+        <p:blipFill>
+          <a:blip r:embed="rId4">
+            <a:alphaModFix/>
+          </a:blip>
+          <a:stretch>
+            <a:fillRect/>
+          </a:stretch>
+        </p:blipFill>
+        <p:spPr>
+          <a:xfrm>
+            <a:off x="3798050" y="1152475"/>
+            <a:ext cx="1866650" cy="3416400"/>
           </a:xfrm>
           <a:prstGeom prst="rect">
             <a:avLst/>
@@ -10490,7 +10794,7 @@
     </p:bg>
     <p:spTree>
       <p:nvGrpSpPr>
-        <p:cNvPr id="214" name="Shape 214"/>
+        <p:cNvPr id="212" name="Shape 212"/>
         <p:cNvGrpSpPr/>
         <p:nvPr/>
       </p:nvGrpSpPr>
@@ -10504,7 +10808,7 @@
       </p:grpSpPr>
       <p:sp>
         <p:nvSpPr>
-          <p:cNvPr id="215" name="Shape 215"/>
+          <p:cNvPr id="213" name="Shape 213"/>
           <p:cNvSpPr txBox="1"/>
           <p:nvPr>
             <p:ph type="title"/>
@@ -10540,7 +10844,7 @@
       </p:sp>
       <p:sp>
         <p:nvSpPr>
-          <p:cNvPr id="216" name="Shape 216"/>
+          <p:cNvPr id="214" name="Shape 214"/>
           <p:cNvSpPr/>
           <p:nvPr/>
         </p:nvSpPr>
@@ -10587,14 +10891,14 @@
                 <a:cs typeface="Oswald"/>
                 <a:sym typeface="Oswald"/>
               </a:rPr>
-              <a:t>Item Page</a:t>
+              <a:t>Homepage</a:t>
             </a:r>
           </a:p>
         </p:txBody>
       </p:sp>
       <p:pic>
         <p:nvPicPr>
-          <p:cNvPr id="217" name="Shape 217"/>
+          <p:cNvPr id="215" name="Shape 215"/>
           <p:cNvPicPr preferRelativeResize="0"/>
           <p:nvPr/>
         </p:nvPicPr>
@@ -10608,8 +10912,8 @@
         </p:blipFill>
         <p:spPr>
           <a:xfrm>
-            <a:off x="273050" y="1793350"/>
-            <a:ext cx="8597900" cy="2362200"/>
+            <a:off x="1930425" y="1131000"/>
+            <a:ext cx="5283149" cy="4012499"/>
           </a:xfrm>
           <a:prstGeom prst="rect">
             <a:avLst/>
@@ -10640,7 +10944,7 @@
     </p:bg>
     <p:spTree>
       <p:nvGrpSpPr>
-        <p:cNvPr id="221" name="Shape 221"/>
+        <p:cNvPr id="219" name="Shape 219"/>
         <p:cNvGrpSpPr/>
         <p:nvPr/>
       </p:nvGrpSpPr>
@@ -10654,7 +10958,7 @@
       </p:grpSpPr>
       <p:sp>
         <p:nvSpPr>
-          <p:cNvPr id="222" name="Shape 222"/>
+          <p:cNvPr id="220" name="Shape 220"/>
           <p:cNvSpPr txBox="1"/>
           <p:nvPr>
             <p:ph type="title"/>
@@ -10690,7 +10994,7 @@
       </p:sp>
       <p:sp>
         <p:nvSpPr>
-          <p:cNvPr id="223" name="Shape 223"/>
+          <p:cNvPr id="221" name="Shape 221"/>
           <p:cNvSpPr/>
           <p:nvPr/>
         </p:nvSpPr>
@@ -10737,14 +11041,14 @@
                 <a:cs typeface="Oswald"/>
                 <a:sym typeface="Oswald"/>
               </a:rPr>
-              <a:t>Search Function</a:t>
+              <a:t>Item Page</a:t>
             </a:r>
           </a:p>
         </p:txBody>
       </p:sp>
       <p:pic>
         <p:nvPicPr>
-          <p:cNvPr id="224" name="Shape 224"/>
+          <p:cNvPr id="222" name="Shape 222"/>
           <p:cNvPicPr preferRelativeResize="0"/>
           <p:nvPr/>
         </p:nvPicPr>
@@ -10758,8 +11062,8 @@
         </p:blipFill>
         <p:spPr>
           <a:xfrm>
-            <a:off x="2218337" y="1222675"/>
-            <a:ext cx="4707414" cy="3707549"/>
+            <a:off x="273050" y="1793350"/>
+            <a:ext cx="8597900" cy="2362200"/>
           </a:xfrm>
           <a:prstGeom prst="rect">
             <a:avLst/>
@@ -10790,7 +11094,7 @@
     </p:bg>
     <p:spTree>
       <p:nvGrpSpPr>
-        <p:cNvPr id="228" name="Shape 228"/>
+        <p:cNvPr id="226" name="Shape 226"/>
         <p:cNvGrpSpPr/>
         <p:nvPr/>
       </p:nvGrpSpPr>
@@ -10804,7 +11108,7 @@
       </p:grpSpPr>
       <p:sp>
         <p:nvSpPr>
-          <p:cNvPr id="229" name="Shape 229"/>
+          <p:cNvPr id="227" name="Shape 227"/>
           <p:cNvSpPr txBox="1"/>
           <p:nvPr>
             <p:ph type="title"/>
@@ -10840,7 +11144,7 @@
       </p:sp>
       <p:sp>
         <p:nvSpPr>
-          <p:cNvPr id="230" name="Shape 230"/>
+          <p:cNvPr id="228" name="Shape 228"/>
           <p:cNvSpPr/>
           <p:nvPr/>
         </p:nvSpPr>
@@ -10887,14 +11191,14 @@
                 <a:cs typeface="Oswald"/>
                 <a:sym typeface="Oswald"/>
               </a:rPr>
-              <a:t>Account Information</a:t>
+              <a:t>Search Function</a:t>
             </a:r>
           </a:p>
         </p:txBody>
       </p:sp>
       <p:pic>
         <p:nvPicPr>
-          <p:cNvPr id="231" name="Shape 231"/>
+          <p:cNvPr id="229" name="Shape 229"/>
           <p:cNvPicPr preferRelativeResize="0"/>
           <p:nvPr/>
         </p:nvPicPr>
@@ -10908,8 +11212,8 @@
         </p:blipFill>
         <p:spPr>
           <a:xfrm>
-            <a:off x="1344050" y="1217923"/>
-            <a:ext cx="6455899" cy="3797599"/>
+            <a:off x="2218337" y="1222675"/>
+            <a:ext cx="4707414" cy="3707549"/>
           </a:xfrm>
           <a:prstGeom prst="rect">
             <a:avLst/>
@@ -10940,7 +11244,7 @@
     </p:bg>
     <p:spTree>
       <p:nvGrpSpPr>
-        <p:cNvPr id="235" name="Shape 235"/>
+        <p:cNvPr id="233" name="Shape 233"/>
         <p:cNvGrpSpPr/>
         <p:nvPr/>
       </p:nvGrpSpPr>
@@ -10954,7 +11258,7 @@
       </p:grpSpPr>
       <p:sp>
         <p:nvSpPr>
-          <p:cNvPr id="236" name="Shape 236"/>
+          <p:cNvPr id="234" name="Shape 234"/>
           <p:cNvSpPr txBox="1"/>
           <p:nvPr>
             <p:ph type="title"/>
@@ -10990,7 +11294,7 @@
       </p:sp>
       <p:sp>
         <p:nvSpPr>
-          <p:cNvPr id="237" name="Shape 237"/>
+          <p:cNvPr id="235" name="Shape 235"/>
           <p:cNvSpPr/>
           <p:nvPr/>
         </p:nvSpPr>
@@ -11037,14 +11341,14 @@
                 <a:cs typeface="Oswald"/>
                 <a:sym typeface="Oswald"/>
               </a:rPr>
-              <a:t>Selling Post / New Item Page</a:t>
+              <a:t>Account Information</a:t>
             </a:r>
           </a:p>
         </p:txBody>
       </p:sp>
       <p:pic>
         <p:nvPicPr>
-          <p:cNvPr id="238" name="Shape 238"/>
+          <p:cNvPr id="236" name="Shape 236"/>
           <p:cNvPicPr preferRelativeResize="0"/>
           <p:nvPr/>
         </p:nvPicPr>
@@ -11058,8 +11362,8 @@
         </p:blipFill>
         <p:spPr>
           <a:xfrm>
-            <a:off x="843287" y="1222450"/>
-            <a:ext cx="7457527" cy="3587874"/>
+            <a:off x="1344050" y="1217923"/>
+            <a:ext cx="6455899" cy="3797599"/>
           </a:xfrm>
           <a:prstGeom prst="rect">
             <a:avLst/>
@@ -11090,7 +11394,7 @@
     </p:bg>
     <p:spTree>
       <p:nvGrpSpPr>
-        <p:cNvPr id="242" name="Shape 242"/>
+        <p:cNvPr id="240" name="Shape 240"/>
         <p:cNvGrpSpPr/>
         <p:nvPr/>
       </p:nvGrpSpPr>
@@ -11104,7 +11408,7 @@
       </p:grpSpPr>
       <p:sp>
         <p:nvSpPr>
-          <p:cNvPr id="243" name="Shape 243"/>
+          <p:cNvPr id="241" name="Shape 241"/>
           <p:cNvSpPr txBox="1"/>
           <p:nvPr>
             <p:ph type="title"/>
@@ -11140,7 +11444,7 @@
       </p:sp>
       <p:sp>
         <p:nvSpPr>
-          <p:cNvPr id="244" name="Shape 244"/>
+          <p:cNvPr id="242" name="Shape 242"/>
           <p:cNvSpPr/>
           <p:nvPr/>
         </p:nvSpPr>
@@ -11187,14 +11491,14 @@
                 <a:cs typeface="Oswald"/>
                 <a:sym typeface="Oswald"/>
               </a:rPr>
-              <a:t>Items Being Tracked</a:t>
+              <a:t>Selling Post / New Item Page</a:t>
             </a:r>
           </a:p>
         </p:txBody>
       </p:sp>
       <p:pic>
         <p:nvPicPr>
-          <p:cNvPr id="245" name="Shape 245"/>
+          <p:cNvPr id="243" name="Shape 243"/>
           <p:cNvPicPr preferRelativeResize="0"/>
           <p:nvPr/>
         </p:nvPicPr>
@@ -11208,8 +11512,8 @@
         </p:blipFill>
         <p:spPr>
           <a:xfrm>
-            <a:off x="1262212" y="1230300"/>
-            <a:ext cx="6619685" cy="3707549"/>
+            <a:off x="843287" y="1222450"/>
+            <a:ext cx="7457527" cy="3587874"/>
           </a:xfrm>
           <a:prstGeom prst="rect">
             <a:avLst/>
@@ -11240,7 +11544,7 @@
     </p:bg>
     <p:spTree>
       <p:nvGrpSpPr>
-        <p:cNvPr id="249" name="Shape 249"/>
+        <p:cNvPr id="247" name="Shape 247"/>
         <p:cNvGrpSpPr/>
         <p:nvPr/>
       </p:nvGrpSpPr>
@@ -11254,7 +11558,7 @@
       </p:grpSpPr>
       <p:sp>
         <p:nvSpPr>
-          <p:cNvPr id="250" name="Shape 250"/>
+          <p:cNvPr id="248" name="Shape 248"/>
           <p:cNvSpPr txBox="1"/>
           <p:nvPr>
             <p:ph type="title"/>
@@ -11290,7 +11594,7 @@
       </p:sp>
       <p:sp>
         <p:nvSpPr>
-          <p:cNvPr id="251" name="Shape 251"/>
+          <p:cNvPr id="249" name="Shape 249"/>
           <p:cNvSpPr/>
           <p:nvPr/>
         </p:nvSpPr>
@@ -11337,14 +11641,14 @@
                 <a:cs typeface="Oswald"/>
                 <a:sym typeface="Oswald"/>
               </a:rPr>
-              <a:t>Stripe</a:t>
+              <a:t>Items Being Tracked</a:t>
             </a:r>
           </a:p>
         </p:txBody>
       </p:sp>
       <p:pic>
         <p:nvPicPr>
-          <p:cNvPr id="252" name="Shape 252"/>
+          <p:cNvPr id="250" name="Shape 250"/>
           <p:cNvPicPr preferRelativeResize="0"/>
           <p:nvPr/>
         </p:nvPicPr>
@@ -11358,74 +11662,8 @@
         </p:blipFill>
         <p:spPr>
           <a:xfrm>
-            <a:off x="1733699" y="1131000"/>
-            <a:ext cx="5676698" cy="4012500"/>
-          </a:xfrm>
-          <a:prstGeom prst="rect">
-            <a:avLst/>
-          </a:prstGeom>
-          <a:noFill/>
-          <a:ln>
-            <a:noFill/>
-          </a:ln>
-        </p:spPr>
-      </p:pic>
-      <p:sp>
-        <p:nvSpPr>
-          <p:cNvPr id="253" name="Shape 253"/>
-          <p:cNvSpPr txBox="1"/>
-          <p:nvPr/>
-        </p:nvSpPr>
-        <p:spPr>
-          <a:xfrm>
-            <a:off x="32525" y="1157450"/>
-            <a:ext cx="2750700" cy="273000"/>
-          </a:xfrm>
-          <a:prstGeom prst="rect">
-            <a:avLst/>
-          </a:prstGeom>
-          <a:noFill/>
-          <a:ln>
-            <a:noFill/>
-          </a:ln>
-        </p:spPr>
-        <p:txBody>
-          <a:bodyPr anchorCtr="0" anchor="t" bIns="91425" lIns="91425" rIns="91425" tIns="91425">
-            <a:noAutofit/>
-          </a:bodyPr>
-          <a:lstStyle/>
-          <a:p>
-            <a:pPr lvl="0">
-              <a:spcBef>
-                <a:spcPts val="0"/>
-              </a:spcBef>
-              <a:buNone/>
-            </a:pPr>
-            <a:r>
-              <a:rPr lang="en" sz="700"/>
-              <a:t>http://www.appcoda.com/ios-stripe-payment-integration/</a:t>
-            </a:r>
-          </a:p>
-        </p:txBody>
-      </p:sp>
-      <p:pic>
-        <p:nvPicPr>
-          <p:cNvPr id="254" name="Shape 254"/>
-          <p:cNvPicPr preferRelativeResize="0"/>
-          <p:nvPr/>
-        </p:nvPicPr>
-        <p:blipFill>
-          <a:blip r:embed="rId4">
-            <a:alphaModFix/>
-          </a:blip>
-          <a:stretch>
-            <a:fillRect/>
-          </a:stretch>
-        </p:blipFill>
-        <p:spPr>
-          <a:xfrm>
-            <a:off x="6320125" y="3968700"/>
-            <a:ext cx="361973" cy="361973"/>
+            <a:off x="1262212" y="1230300"/>
+            <a:ext cx="6619685" cy="3707549"/>
           </a:xfrm>
           <a:prstGeom prst="rect">
             <a:avLst/>
@@ -11508,9 +11746,16 @@
 <file path=ppt/slides/slide20.xml><?xml version="1.0" encoding="utf-8"?>
 <p:sld xmlns:a="http://schemas.openxmlformats.org/drawingml/2006/main" xmlns:r="http://schemas.openxmlformats.org/officeDocument/2006/relationships" xmlns:mc="http://schemas.openxmlformats.org/markup-compatibility/2006" xmlns:mv="urn:schemas-microsoft-com:mac:vml" xmlns:p="http://schemas.openxmlformats.org/presentationml/2006/main" xmlns:c="http://schemas.openxmlformats.org/drawingml/2006/chart" xmlns:dgm="http://schemas.openxmlformats.org/drawingml/2006/diagram" xmlns:o="urn:schemas-microsoft-com:office:office" xmlns:v="urn:schemas-microsoft-com:vml" xmlns:pvml="urn:schemas-microsoft-com:office:powerpoint" xmlns:com="http://schemas.openxmlformats.org/drawingml/2006/compatibility" xmlns:p14="http://schemas.microsoft.com/office/powerpoint/2010/main">
   <p:cSld>
+    <p:bg>
+      <p:bgPr>
+        <a:solidFill>
+          <a:srgbClr val="FFFFFF"/>
+        </a:solidFill>
+      </p:bgPr>
+    </p:bg>
     <p:spTree>
       <p:nvGrpSpPr>
-        <p:cNvPr id="258" name="Shape 258"/>
+        <p:cNvPr id="254" name="Shape 254"/>
         <p:cNvGrpSpPr/>
         <p:nvPr/>
       </p:nvGrpSpPr>
@@ -11524,7 +11769,7 @@
       </p:grpSpPr>
       <p:sp>
         <p:nvSpPr>
-          <p:cNvPr id="259" name="Shape 259"/>
+          <p:cNvPr id="255" name="Shape 255"/>
           <p:cNvSpPr txBox="1"/>
           <p:nvPr>
             <p:ph type="title"/>
@@ -11532,20 +11777,20 @@
         </p:nvSpPr>
         <p:spPr>
           <a:xfrm>
-            <a:off x="311700" y="445025"/>
-            <a:ext cx="8520600" cy="572700"/>
+            <a:off x="0" y="0"/>
+            <a:ext cx="9144000" cy="1131000"/>
           </a:xfrm>
           <a:prstGeom prst="rect">
             <a:avLst/>
           </a:prstGeom>
         </p:spPr>
         <p:txBody>
-          <a:bodyPr anchorCtr="0" anchor="t" bIns="91425" lIns="91425" rIns="91425" tIns="91425">
+          <a:bodyPr anchorCtr="0" anchor="ctr" bIns="91425" lIns="91425" rIns="91425" tIns="91425">
             <a:noAutofit/>
           </a:bodyPr>
           <a:lstStyle/>
           <a:p>
-            <a:pPr lvl="0" algn="ctr">
+            <a:pPr lvl="0" rtl="0">
               <a:spcBef>
                 <a:spcPts val="0"/>
               </a:spcBef>
@@ -11553,50 +11798,68 @@
             </a:pPr>
             <a:r>
               <a:rPr lang="en"/>
-              <a:t>Database</a:t>
+              <a:t>Homepage</a:t>
             </a:r>
           </a:p>
         </p:txBody>
       </p:sp>
       <p:sp>
         <p:nvSpPr>
-          <p:cNvPr id="260" name="Shape 260"/>
-          <p:cNvSpPr txBox="1"/>
-          <p:nvPr>
-            <p:ph idx="1" type="body"/>
-          </p:nvPr>
-        </p:nvSpPr>
-        <p:spPr>
-          <a:xfrm>
-            <a:off x="311700" y="1152475"/>
-            <a:ext cx="8520600" cy="3416400"/>
-          </a:xfrm>
-          <a:prstGeom prst="rect">
-            <a:avLst/>
-          </a:prstGeom>
+          <p:cNvPr id="256" name="Shape 256"/>
+          <p:cNvSpPr/>
+          <p:nvPr/>
+        </p:nvSpPr>
+        <p:spPr>
+          <a:xfrm>
+            <a:off x="50" y="-13650"/>
+            <a:ext cx="9144000" cy="1144800"/>
+          </a:xfrm>
+          <a:prstGeom prst="rect">
+            <a:avLst/>
+          </a:prstGeom>
+          <a:solidFill>
+            <a:schemeClr val="lt1"/>
+          </a:solidFill>
+          <a:ln cap="flat" cmpd="sng" w="9525">
+            <a:solidFill>
+              <a:schemeClr val="dk2"/>
+            </a:solidFill>
+            <a:prstDash val="solid"/>
+            <a:round/>
+            <a:headEnd len="med" w="med" type="none"/>
+            <a:tailEnd len="med" w="med" type="none"/>
+          </a:ln>
         </p:spPr>
         <p:txBody>
-          <a:bodyPr anchorCtr="0" anchor="t" bIns="91425" lIns="91425" rIns="91425" tIns="91425">
+          <a:bodyPr anchorCtr="0" anchor="ctr" bIns="91425" lIns="91425" rIns="91425" tIns="91425">
             <a:noAutofit/>
           </a:bodyPr>
           <a:lstStyle/>
           <a:p>
-            <a:pPr lvl="0">
-              <a:spcBef>
-                <a:spcPts val="0"/>
-              </a:spcBef>
-              <a:buNone/>
-            </a:pPr>
-            <a:r>
-              <a:t/>
-            </a:r>
-            <a:endParaRPr/>
+            <a:pPr lvl="0" rtl="0" algn="ctr">
+              <a:spcBef>
+                <a:spcPts val="0"/>
+              </a:spcBef>
+              <a:buNone/>
+            </a:pPr>
+            <a:r>
+              <a:rPr lang="en" sz="3600">
+                <a:solidFill>
+                  <a:schemeClr val="dk1"/>
+                </a:solidFill>
+                <a:latin typeface="Oswald"/>
+                <a:ea typeface="Oswald"/>
+                <a:cs typeface="Oswald"/>
+                <a:sym typeface="Oswald"/>
+              </a:rPr>
+              <a:t>Stripe</a:t>
+            </a:r>
           </a:p>
         </p:txBody>
       </p:sp>
       <p:pic>
         <p:nvPicPr>
-          <p:cNvPr id="261" name="Shape 261"/>
+          <p:cNvPr id="257" name="Shape 257"/>
           <p:cNvPicPr preferRelativeResize="0"/>
           <p:nvPr/>
         </p:nvPicPr>
@@ -11610,8 +11873,74 @@
         </p:blipFill>
         <p:spPr>
           <a:xfrm>
-            <a:off x="311700" y="1152475"/>
-            <a:ext cx="8520599" cy="3416400"/>
+            <a:off x="1733699" y="1131000"/>
+            <a:ext cx="5676698" cy="4012500"/>
+          </a:xfrm>
+          <a:prstGeom prst="rect">
+            <a:avLst/>
+          </a:prstGeom>
+          <a:noFill/>
+          <a:ln>
+            <a:noFill/>
+          </a:ln>
+        </p:spPr>
+      </p:pic>
+      <p:sp>
+        <p:nvSpPr>
+          <p:cNvPr id="258" name="Shape 258"/>
+          <p:cNvSpPr txBox="1"/>
+          <p:nvPr/>
+        </p:nvSpPr>
+        <p:spPr>
+          <a:xfrm>
+            <a:off x="32525" y="1157450"/>
+            <a:ext cx="2750700" cy="273000"/>
+          </a:xfrm>
+          <a:prstGeom prst="rect">
+            <a:avLst/>
+          </a:prstGeom>
+          <a:noFill/>
+          <a:ln>
+            <a:noFill/>
+          </a:ln>
+        </p:spPr>
+        <p:txBody>
+          <a:bodyPr anchorCtr="0" anchor="t" bIns="91425" lIns="91425" rIns="91425" tIns="91425">
+            <a:noAutofit/>
+          </a:bodyPr>
+          <a:lstStyle/>
+          <a:p>
+            <a:pPr lvl="0">
+              <a:spcBef>
+                <a:spcPts val="0"/>
+              </a:spcBef>
+              <a:buNone/>
+            </a:pPr>
+            <a:r>
+              <a:rPr lang="en" sz="700"/>
+              <a:t>http://www.appcoda.com/ios-stripe-payment-integration/</a:t>
+            </a:r>
+          </a:p>
+        </p:txBody>
+      </p:sp>
+      <p:pic>
+        <p:nvPicPr>
+          <p:cNvPr id="259" name="Shape 259"/>
+          <p:cNvPicPr preferRelativeResize="0"/>
+          <p:nvPr/>
+        </p:nvPicPr>
+        <p:blipFill>
+          <a:blip r:embed="rId4">
+            <a:alphaModFix/>
+          </a:blip>
+          <a:stretch>
+            <a:fillRect/>
+          </a:stretch>
+        </p:blipFill>
+        <p:spPr>
+          <a:xfrm>
+            <a:off x="6320125" y="3968700"/>
+            <a:ext cx="361973" cy="361973"/>
           </a:xfrm>
           <a:prstGeom prst="rect">
             <a:avLst/>
@@ -11635,7 +11964,7 @@
   <p:cSld>
     <p:spTree>
       <p:nvGrpSpPr>
-        <p:cNvPr id="265" name="Shape 265"/>
+        <p:cNvPr id="263" name="Shape 263"/>
         <p:cNvGrpSpPr/>
         <p:nvPr/>
       </p:nvGrpSpPr>
@@ -11649,7 +11978,7 @@
       </p:grpSpPr>
       <p:sp>
         <p:nvSpPr>
-          <p:cNvPr id="266" name="Shape 266"/>
+          <p:cNvPr id="264" name="Shape 264"/>
           <p:cNvSpPr txBox="1"/>
           <p:nvPr>
             <p:ph type="title"/>
@@ -11657,20 +11986,20 @@
         </p:nvSpPr>
         <p:spPr>
           <a:xfrm>
-            <a:off x="671250" y="2141250"/>
-            <a:ext cx="7852200" cy="861000"/>
+            <a:off x="311700" y="445025"/>
+            <a:ext cx="8520600" cy="572700"/>
           </a:xfrm>
           <a:prstGeom prst="rect">
             <a:avLst/>
           </a:prstGeom>
         </p:spPr>
         <p:txBody>
-          <a:bodyPr anchorCtr="0" anchor="ctr" bIns="91425" lIns="91425" rIns="91425" tIns="91425">
+          <a:bodyPr anchorCtr="0" anchor="t" bIns="91425" lIns="91425" rIns="91425" tIns="91425">
             <a:noAutofit/>
           </a:bodyPr>
           <a:lstStyle/>
           <a:p>
-            <a:pPr lvl="0" rtl="0">
+            <a:pPr lvl="0" algn="ctr">
               <a:spcBef>
                 <a:spcPts val="0"/>
               </a:spcBef>
@@ -11678,11 +12007,75 @@
             </a:pPr>
             <a:r>
               <a:rPr lang="en"/>
-              <a:t>Demo!</a:t>
+              <a:t>Database</a:t>
             </a:r>
           </a:p>
         </p:txBody>
       </p:sp>
+      <p:sp>
+        <p:nvSpPr>
+          <p:cNvPr id="265" name="Shape 265"/>
+          <p:cNvSpPr txBox="1"/>
+          <p:nvPr>
+            <p:ph idx="1" type="body"/>
+          </p:nvPr>
+        </p:nvSpPr>
+        <p:spPr>
+          <a:xfrm>
+            <a:off x="311700" y="1152475"/>
+            <a:ext cx="8520600" cy="3416400"/>
+          </a:xfrm>
+          <a:prstGeom prst="rect">
+            <a:avLst/>
+          </a:prstGeom>
+        </p:spPr>
+        <p:txBody>
+          <a:bodyPr anchorCtr="0" anchor="t" bIns="91425" lIns="91425" rIns="91425" tIns="91425">
+            <a:noAutofit/>
+          </a:bodyPr>
+          <a:lstStyle/>
+          <a:p>
+            <a:pPr lvl="0">
+              <a:spcBef>
+                <a:spcPts val="0"/>
+              </a:spcBef>
+              <a:buNone/>
+            </a:pPr>
+            <a:r>
+              <a:t/>
+            </a:r>
+            <a:endParaRPr/>
+          </a:p>
+        </p:txBody>
+      </p:sp>
+      <p:pic>
+        <p:nvPicPr>
+          <p:cNvPr id="266" name="Shape 266"/>
+          <p:cNvPicPr preferRelativeResize="0"/>
+          <p:nvPr/>
+        </p:nvPicPr>
+        <p:blipFill>
+          <a:blip r:embed="rId3">
+            <a:alphaModFix/>
+          </a:blip>
+          <a:stretch>
+            <a:fillRect/>
+          </a:stretch>
+        </p:blipFill>
+        <p:spPr>
+          <a:xfrm>
+            <a:off x="311700" y="1152475"/>
+            <a:ext cx="8520599" cy="3416400"/>
+          </a:xfrm>
+          <a:prstGeom prst="rect">
+            <a:avLst/>
+          </a:prstGeom>
+          <a:noFill/>
+          <a:ln>
+            <a:noFill/>
+          </a:ln>
+        </p:spPr>
+      </p:pic>
     </p:spTree>
   </p:cSld>
   <p:clrMapOvr>
@@ -11718,8 +12111,8 @@
         </p:nvSpPr>
         <p:spPr>
           <a:xfrm>
-            <a:off x="265500" y="1912650"/>
-            <a:ext cx="4045200" cy="1318200"/>
+            <a:off x="671250" y="2141250"/>
+            <a:ext cx="7852200" cy="861000"/>
           </a:xfrm>
           <a:prstGeom prst="rect">
             <a:avLst/>
@@ -11739,149 +12132,7 @@
             </a:pPr>
             <a:r>
               <a:rPr lang="en"/>
-              <a:t>Future Efforts</a:t>
-            </a:r>
-          </a:p>
-        </p:txBody>
-      </p:sp>
-      <p:sp>
-        <p:nvSpPr>
-          <p:cNvPr id="272" name="Shape 272"/>
-          <p:cNvSpPr txBox="1"/>
-          <p:nvPr>
-            <p:ph idx="2" type="body"/>
-          </p:nvPr>
-        </p:nvSpPr>
-        <p:spPr>
-          <a:xfrm>
-            <a:off x="4939500" y="50"/>
-            <a:ext cx="3837000" cy="5143500"/>
-          </a:xfrm>
-          <a:prstGeom prst="rect">
-            <a:avLst/>
-          </a:prstGeom>
-        </p:spPr>
-        <p:txBody>
-          <a:bodyPr anchorCtr="0" anchor="ctr" bIns="91425" lIns="91425" rIns="91425" tIns="91425">
-            <a:noAutofit/>
-          </a:bodyPr>
-          <a:lstStyle/>
-          <a:p>
-            <a:pPr lvl="0" rtl="0">
-              <a:spcBef>
-                <a:spcPts val="0"/>
-              </a:spcBef>
-              <a:spcAft>
-                <a:spcPts val="0"/>
-              </a:spcAft>
-              <a:buNone/>
-            </a:pPr>
-            <a:r>
-              <a:rPr b="1" lang="en"/>
-              <a:t>Functionality </a:t>
-            </a:r>
-          </a:p>
-          <a:p>
-            <a:pPr indent="-228600" lvl="0" marL="457200" rtl="0">
-              <a:spcBef>
-                <a:spcPts val="0"/>
-              </a:spcBef>
-            </a:pPr>
-            <a:r>
-              <a:rPr lang="en" sz="1500"/>
-              <a:t>Upload multiple images for an item</a:t>
-            </a:r>
-          </a:p>
-          <a:p>
-            <a:pPr indent="-323850" lvl="0" marL="457200" rtl="0">
-              <a:spcBef>
-                <a:spcPts val="0"/>
-              </a:spcBef>
-              <a:buSzPct val="100000"/>
-            </a:pPr>
-            <a:r>
-              <a:rPr lang="en" sz="1500"/>
-              <a:t>Send images/videos in chat</a:t>
-            </a:r>
-          </a:p>
-          <a:p>
-            <a:pPr indent="-323850" lvl="0" marL="457200" rtl="0">
-              <a:spcBef>
-                <a:spcPts val="0"/>
-              </a:spcBef>
-              <a:buSzPct val="100000"/>
-            </a:pPr>
-            <a:r>
-              <a:rPr lang="en" sz="1500"/>
-              <a:t>Categorize items</a:t>
-            </a:r>
-          </a:p>
-          <a:p>
-            <a:pPr indent="-323850" lvl="0" marL="457200" rtl="0">
-              <a:spcBef>
-                <a:spcPts val="0"/>
-              </a:spcBef>
-              <a:buSzPct val="100000"/>
-            </a:pPr>
-            <a:r>
-              <a:rPr lang="en" sz="1500"/>
-              <a:t>Transaction history</a:t>
-            </a:r>
-          </a:p>
-          <a:p>
-            <a:pPr indent="-323850" lvl="0" marL="457200" rtl="0">
-              <a:spcBef>
-                <a:spcPts val="0"/>
-              </a:spcBef>
-              <a:buSzPct val="100000"/>
-            </a:pPr>
-            <a:r>
-              <a:rPr lang="en" sz="1500"/>
-              <a:t>Sophisticated search system</a:t>
-            </a:r>
-          </a:p>
-          <a:p>
-            <a:pPr indent="-323850" lvl="0" marL="457200" rtl="0">
-              <a:spcBef>
-                <a:spcPts val="0"/>
-              </a:spcBef>
-              <a:buSzPct val="100000"/>
-            </a:pPr>
-            <a:r>
-              <a:rPr lang="en" sz="1500"/>
-              <a:t>Detailed analytics</a:t>
-            </a:r>
-          </a:p>
-          <a:p>
-            <a:pPr lvl="0" rtl="0">
-              <a:spcBef>
-                <a:spcPts val="0"/>
-              </a:spcBef>
-              <a:spcAft>
-                <a:spcPts val="0"/>
-              </a:spcAft>
-              <a:buClr>
-                <a:srgbClr val="000000"/>
-              </a:buClr>
-              <a:buSzPct val="61111"/>
-              <a:buFont typeface="Arial"/>
-              <a:buNone/>
-            </a:pPr>
-            <a:r>
-              <a:rPr b="1" lang="en"/>
-              <a:t>Technical</a:t>
-            </a:r>
-          </a:p>
-          <a:p>
-            <a:pPr indent="-323850" lvl="0" marL="457200" rtl="0">
-              <a:spcBef>
-                <a:spcPts val="0"/>
-              </a:spcBef>
-              <a:buSzPct val="100000"/>
-            </a:pPr>
-            <a:r>
-              <a:rPr lang="en" sz="1500"/>
-              <a:t>Android implementation of Ketch</a:t>
+              <a:t>Demo!</a:t>
             </a:r>
           </a:p>
         </p:txBody>
@@ -11899,7 +12150,7 @@
   <p:cSld>
     <p:spTree>
       <p:nvGrpSpPr>
-        <p:cNvPr id="276" name="Shape 276"/>
+        <p:cNvPr id="275" name="Shape 275"/>
         <p:cNvGrpSpPr/>
         <p:nvPr/>
       </p:nvGrpSpPr>
@@ -11913,7 +12164,344 @@
       </p:grpSpPr>
       <p:sp>
         <p:nvSpPr>
+          <p:cNvPr id="276" name="Shape 276"/>
+          <p:cNvSpPr txBox="1"/>
+          <p:nvPr>
+            <p:ph type="title"/>
+          </p:nvPr>
+        </p:nvSpPr>
+        <p:spPr>
+          <a:xfrm>
+            <a:off x="265500" y="1912650"/>
+            <a:ext cx="4045200" cy="1318200"/>
+          </a:xfrm>
+          <a:prstGeom prst="rect">
+            <a:avLst/>
+          </a:prstGeom>
+        </p:spPr>
+        <p:txBody>
+          <a:bodyPr anchorCtr="0" anchor="ctr" bIns="91425" lIns="91425" rIns="91425" tIns="91425">
+            <a:noAutofit/>
+          </a:bodyPr>
+          <a:lstStyle/>
+          <a:p>
+            <a:pPr lvl="0" rtl="0">
+              <a:spcBef>
+                <a:spcPts val="0"/>
+              </a:spcBef>
+              <a:buNone/>
+            </a:pPr>
+            <a:r>
+              <a:rPr lang="en"/>
+              <a:t>Future Efforts</a:t>
+            </a:r>
+          </a:p>
+        </p:txBody>
+      </p:sp>
+      <p:sp>
+        <p:nvSpPr>
           <p:cNvPr id="277" name="Shape 277"/>
+          <p:cNvSpPr txBox="1"/>
+          <p:nvPr>
+            <p:ph idx="2" type="body"/>
+          </p:nvPr>
+        </p:nvSpPr>
+        <p:spPr>
+          <a:xfrm>
+            <a:off x="4939500" y="50"/>
+            <a:ext cx="3837000" cy="5143500"/>
+          </a:xfrm>
+          <a:prstGeom prst="rect">
+            <a:avLst/>
+          </a:prstGeom>
+        </p:spPr>
+        <p:txBody>
+          <a:bodyPr anchorCtr="0" anchor="ctr" bIns="91425" lIns="91425" rIns="91425" tIns="91425">
+            <a:noAutofit/>
+          </a:bodyPr>
+          <a:lstStyle/>
+          <a:p>
+            <a:pPr lvl="0" rtl="0">
+              <a:spcBef>
+                <a:spcPts val="0"/>
+              </a:spcBef>
+              <a:spcAft>
+                <a:spcPts val="0"/>
+              </a:spcAft>
+              <a:buNone/>
+            </a:pPr>
+            <a:r>
+              <a:rPr b="1" lang="en"/>
+              <a:t>Functionality </a:t>
+            </a:r>
+          </a:p>
+          <a:p>
+            <a:pPr indent="-228600" lvl="0" marL="457200" rtl="0">
+              <a:spcBef>
+                <a:spcPts val="0"/>
+              </a:spcBef>
+            </a:pPr>
+            <a:r>
+              <a:rPr lang="en" sz="1500"/>
+              <a:t>Upload multiple images for an item</a:t>
+            </a:r>
+          </a:p>
+          <a:p>
+            <a:pPr indent="-323850" lvl="0" marL="457200" rtl="0">
+              <a:spcBef>
+                <a:spcPts val="0"/>
+              </a:spcBef>
+              <a:buSzPct val="100000"/>
+            </a:pPr>
+            <a:r>
+              <a:rPr lang="en" sz="1500"/>
+              <a:t>Send images/videos in chat</a:t>
+            </a:r>
+          </a:p>
+          <a:p>
+            <a:pPr indent="-323850" lvl="0" marL="457200" rtl="0">
+              <a:spcBef>
+                <a:spcPts val="0"/>
+              </a:spcBef>
+              <a:buSzPct val="100000"/>
+            </a:pPr>
+            <a:r>
+              <a:rPr lang="en" sz="1500"/>
+              <a:t>Categorize items</a:t>
+            </a:r>
+          </a:p>
+          <a:p>
+            <a:pPr indent="-323850" lvl="0" marL="457200" rtl="0">
+              <a:spcBef>
+                <a:spcPts val="0"/>
+              </a:spcBef>
+              <a:buSzPct val="100000"/>
+            </a:pPr>
+            <a:r>
+              <a:rPr lang="en" sz="1500"/>
+              <a:t>Transaction history</a:t>
+            </a:r>
+          </a:p>
+          <a:p>
+            <a:pPr indent="-323850" lvl="0" marL="457200" rtl="0">
+              <a:spcBef>
+                <a:spcPts val="0"/>
+              </a:spcBef>
+              <a:buSzPct val="100000"/>
+            </a:pPr>
+            <a:r>
+              <a:rPr lang="en" sz="1500"/>
+              <a:t>Sophisticated search system</a:t>
+            </a:r>
+          </a:p>
+          <a:p>
+            <a:pPr indent="-323850" lvl="0" marL="457200" rtl="0">
+              <a:spcBef>
+                <a:spcPts val="0"/>
+              </a:spcBef>
+              <a:buSzPct val="100000"/>
+            </a:pPr>
+            <a:r>
+              <a:rPr lang="en" sz="1500"/>
+              <a:t>Detailed analytics</a:t>
+            </a:r>
+          </a:p>
+          <a:p>
+            <a:pPr indent="-323850" lvl="0" marL="457200" rtl="0">
+              <a:spcBef>
+                <a:spcPts val="0"/>
+              </a:spcBef>
+              <a:buSzPct val="100000"/>
+            </a:pPr>
+            <a:r>
+              <a:rPr lang="en" sz="1500"/>
+              <a:t>Link Messages to a specific item</a:t>
+            </a:r>
+          </a:p>
+          <a:p>
+            <a:pPr lvl="0" rtl="0">
+              <a:spcBef>
+                <a:spcPts val="0"/>
+              </a:spcBef>
+              <a:spcAft>
+                <a:spcPts val="0"/>
+              </a:spcAft>
+              <a:buClr>
+                <a:srgbClr val="000000"/>
+              </a:buClr>
+              <a:buSzPct val="61111"/>
+              <a:buFont typeface="Arial"/>
+              <a:buNone/>
+            </a:pPr>
+            <a:r>
+              <a:rPr b="1" lang="en"/>
+              <a:t>Technical</a:t>
+            </a:r>
+          </a:p>
+          <a:p>
+            <a:pPr indent="-323850" lvl="0" marL="457200" rtl="0">
+              <a:spcBef>
+                <a:spcPts val="0"/>
+              </a:spcBef>
+              <a:buSzPct val="100000"/>
+            </a:pPr>
+            <a:r>
+              <a:rPr lang="en" sz="1500"/>
+              <a:t>Android implementation of Ketch</a:t>
+            </a:r>
+          </a:p>
+        </p:txBody>
+      </p:sp>
+    </p:spTree>
+  </p:cSld>
+  <p:clrMapOvr>
+    <a:masterClrMapping/>
+  </p:clrMapOvr>
+</p:sld>
+</file>
+
+<file path=ppt/slides/slide24.xml><?xml version="1.0" encoding="utf-8"?>
+<p:sld xmlns:a="http://schemas.openxmlformats.org/drawingml/2006/main" xmlns:r="http://schemas.openxmlformats.org/officeDocument/2006/relationships" xmlns:mc="http://schemas.openxmlformats.org/markup-compatibility/2006" xmlns:mv="urn:schemas-microsoft-com:mac:vml" xmlns:p="http://schemas.openxmlformats.org/presentationml/2006/main" xmlns:c="http://schemas.openxmlformats.org/drawingml/2006/chart" xmlns:dgm="http://schemas.openxmlformats.org/drawingml/2006/diagram" xmlns:o="urn:schemas-microsoft-com:office:office" xmlns:v="urn:schemas-microsoft-com:vml" xmlns:pvml="urn:schemas-microsoft-com:office:powerpoint" xmlns:com="http://schemas.openxmlformats.org/drawingml/2006/compatibility" xmlns:p14="http://schemas.microsoft.com/office/powerpoint/2010/main">
+  <p:cSld>
+    <p:spTree>
+      <p:nvGrpSpPr>
+        <p:cNvPr id="281" name="Shape 281"/>
+        <p:cNvGrpSpPr/>
+        <p:nvPr/>
+      </p:nvGrpSpPr>
+      <p:grpSpPr>
+        <a:xfrm>
+          <a:off x="0" y="0"/>
+          <a:ext cx="0" cy="0"/>
+          <a:chOff x="0" y="0"/>
+          <a:chExt cx="0" cy="0"/>
+        </a:xfrm>
+      </p:grpSpPr>
+      <p:sp>
+        <p:nvSpPr>
+          <p:cNvPr id="282" name="Shape 282"/>
+          <p:cNvSpPr txBox="1"/>
+          <p:nvPr>
+            <p:ph type="ctrTitle"/>
+          </p:nvPr>
+        </p:nvSpPr>
+        <p:spPr>
+          <a:xfrm>
+            <a:off x="671257" y="990800"/>
+            <a:ext cx="7801500" cy="1730100"/>
+          </a:xfrm>
+          <a:prstGeom prst="rect">
+            <a:avLst/>
+          </a:prstGeom>
+        </p:spPr>
+        <p:txBody>
+          <a:bodyPr anchorCtr="0" anchor="b" bIns="91425" lIns="91425" rIns="91425" tIns="91425">
+            <a:noAutofit/>
+          </a:bodyPr>
+          <a:lstStyle/>
+          <a:p>
+            <a:pPr lvl="0">
+              <a:spcBef>
+                <a:spcPts val="0"/>
+              </a:spcBef>
+              <a:buNone/>
+            </a:pPr>
+            <a:r>
+              <a:rPr lang="en"/>
+              <a:t>Website</a:t>
+            </a:r>
+          </a:p>
+        </p:txBody>
+      </p:sp>
+      <p:sp>
+        <p:nvSpPr>
+          <p:cNvPr id="283" name="Shape 283"/>
+          <p:cNvSpPr txBox="1"/>
+          <p:nvPr>
+            <p:ph idx="1" type="subTitle"/>
+          </p:nvPr>
+        </p:nvSpPr>
+        <p:spPr>
+          <a:xfrm>
+            <a:off x="671250" y="3174875"/>
+            <a:ext cx="7801500" cy="792600"/>
+          </a:xfrm>
+          <a:prstGeom prst="rect">
+            <a:avLst/>
+          </a:prstGeom>
+        </p:spPr>
+        <p:txBody>
+          <a:bodyPr anchorCtr="0" anchor="t" bIns="91425" lIns="91425" rIns="91425" tIns="91425">
+            <a:noAutofit/>
+          </a:bodyPr>
+          <a:lstStyle/>
+          <a:p>
+            <a:pPr lvl="0" rtl="0">
+              <a:spcBef>
+                <a:spcPts val="0"/>
+              </a:spcBef>
+              <a:buNone/>
+            </a:pPr>
+            <a:r>
+              <a:rPr lang="en" sz="1800" u="sng">
+                <a:solidFill>
+                  <a:srgbClr val="F3F3F3"/>
+                </a:solidFill>
+                <a:latin typeface="Oswald"/>
+                <a:ea typeface="Oswald"/>
+                <a:cs typeface="Oswald"/>
+                <a:sym typeface="Oswald"/>
+                <a:hlinkClick r:id="rId3"/>
+              </a:rPr>
+              <a:t>https://www.ketch-b8d8a.firebaseapp.com</a:t>
+            </a:r>
+          </a:p>
+          <a:p>
+            <a:pPr lvl="0" algn="ctr">
+              <a:spcBef>
+                <a:spcPts val="0"/>
+              </a:spcBef>
+              <a:buNone/>
+            </a:pPr>
+            <a:r>
+              <a:t/>
+            </a:r>
+            <a:endParaRPr>
+              <a:solidFill>
+                <a:srgbClr val="FFFFFF"/>
+              </a:solidFill>
+            </a:endParaRPr>
+          </a:p>
+        </p:txBody>
+      </p:sp>
+    </p:spTree>
+  </p:cSld>
+  <p:clrMapOvr>
+    <a:masterClrMapping/>
+  </p:clrMapOvr>
+</p:sld>
+</file>
+
+<file path=ppt/slides/slide25.xml><?xml version="1.0" encoding="utf-8"?>
+<p:sld xmlns:a="http://schemas.openxmlformats.org/drawingml/2006/main" xmlns:r="http://schemas.openxmlformats.org/officeDocument/2006/relationships" xmlns:mc="http://schemas.openxmlformats.org/markup-compatibility/2006" xmlns:mv="urn:schemas-microsoft-com:mac:vml" xmlns:p="http://schemas.openxmlformats.org/presentationml/2006/main" xmlns:c="http://schemas.openxmlformats.org/drawingml/2006/chart" xmlns:dgm="http://schemas.openxmlformats.org/drawingml/2006/diagram" xmlns:o="urn:schemas-microsoft-com:office:office" xmlns:v="urn:schemas-microsoft-com:vml" xmlns:pvml="urn:schemas-microsoft-com:office:powerpoint" xmlns:com="http://schemas.openxmlformats.org/drawingml/2006/compatibility" xmlns:p14="http://schemas.microsoft.com/office/powerpoint/2010/main">
+  <p:cSld>
+    <p:spTree>
+      <p:nvGrpSpPr>
+        <p:cNvPr id="287" name="Shape 287"/>
+        <p:cNvGrpSpPr/>
+        <p:nvPr/>
+      </p:nvGrpSpPr>
+      <p:grpSpPr>
+        <a:xfrm>
+          <a:off x="0" y="0"/>
+          <a:ext cx="0" cy="0"/>
+          <a:chOff x="0" y="0"/>
+          <a:chExt cx="0" cy="0"/>
+        </a:xfrm>
+      </p:grpSpPr>
+      <p:sp>
+        <p:nvSpPr>
+          <p:cNvPr id="288" name="Shape 288"/>
           <p:cNvSpPr txBox="1"/>
           <p:nvPr>
             <p:ph type="title"/>
@@ -12184,15 +12772,15 @@
         </p:nvSpPr>
         <p:spPr>
           <a:xfrm>
-            <a:off x="311700" y="445025"/>
-            <a:ext cx="8520600" cy="572700"/>
+            <a:off x="671250" y="2141250"/>
+            <a:ext cx="7852200" cy="861000"/>
           </a:xfrm>
           <a:prstGeom prst="rect">
             <a:avLst/>
           </a:prstGeom>
         </p:spPr>
         <p:txBody>
-          <a:bodyPr anchorCtr="0" anchor="t" bIns="91425" lIns="91425" rIns="91425" tIns="91425">
+          <a:bodyPr anchorCtr="0" anchor="ctr" bIns="91425" lIns="91425" rIns="91425" tIns="91425">
             <a:noAutofit/>
           </a:bodyPr>
           <a:lstStyle/>
@@ -12204,403 +12792,9 @@
               <a:buNone/>
             </a:pPr>
             <a:r>
-              <a:rPr lang="en"/>
-              <a:t>Requirements</a:t>
-            </a:r>
-          </a:p>
-        </p:txBody>
-      </p:sp>
-      <p:sp>
-        <p:nvSpPr>
-          <p:cNvPr id="126" name="Shape 126"/>
-          <p:cNvSpPr txBox="1"/>
-          <p:nvPr>
-            <p:ph idx="1" type="body"/>
-          </p:nvPr>
-        </p:nvSpPr>
-        <p:spPr>
-          <a:xfrm>
-            <a:off x="311700" y="1152475"/>
-            <a:ext cx="3999900" cy="3416400"/>
-          </a:xfrm>
-          <a:prstGeom prst="rect">
-            <a:avLst/>
-          </a:prstGeom>
-        </p:spPr>
-        <p:txBody>
-          <a:bodyPr anchorCtr="0" anchor="t" bIns="91425" lIns="91425" rIns="91425" tIns="91425">
-            <a:noAutofit/>
-          </a:bodyPr>
-          <a:lstStyle/>
-          <a:p>
-            <a:pPr lvl="0">
-              <a:spcBef>
-                <a:spcPts val="0"/>
-              </a:spcBef>
-              <a:buNone/>
-            </a:pPr>
-            <a:r>
-              <a:rPr b="1" lang="en" sz="2100">
-                <a:solidFill>
-                  <a:schemeClr val="dk1"/>
-                </a:solidFill>
-              </a:rPr>
-              <a:t>Functional</a:t>
-            </a:r>
-            <a:r>
-              <a:rPr lang="en"/>
-              <a:t> </a:t>
-            </a:r>
-          </a:p>
-          <a:p>
-            <a:pPr indent="-228600" lvl="0" marL="457200" rtl="0">
-              <a:spcBef>
-                <a:spcPts val="0"/>
-              </a:spcBef>
-            </a:pPr>
-            <a:r>
-              <a:rPr lang="en"/>
-              <a:t>Message between users and buyer</a:t>
-            </a:r>
-          </a:p>
-          <a:p>
-            <a:pPr indent="-228600" lvl="0" marL="457200" rtl="0">
-              <a:spcBef>
-                <a:spcPts val="0"/>
-              </a:spcBef>
-            </a:pPr>
-            <a:r>
-              <a:rPr lang="en"/>
-              <a:t>Show items based upon location</a:t>
-            </a:r>
-          </a:p>
-          <a:p>
-            <a:pPr indent="-228600" lvl="0" marL="457200" rtl="0">
-              <a:spcBef>
-                <a:spcPts val="0"/>
-              </a:spcBef>
-            </a:pPr>
-            <a:r>
-              <a:rPr lang="en"/>
-              <a:t>Customer support tutorial</a:t>
-            </a:r>
-          </a:p>
-          <a:p>
-            <a:pPr indent="-228600" lvl="0" marL="457200" rtl="0">
-              <a:spcBef>
-                <a:spcPts val="0"/>
-              </a:spcBef>
-            </a:pPr>
-            <a:r>
-              <a:rPr lang="en"/>
-              <a:t>Edit account information</a:t>
-            </a:r>
-          </a:p>
-          <a:p>
-            <a:pPr indent="-228600" lvl="0" marL="457200" rtl="0">
-              <a:spcBef>
-                <a:spcPts val="0"/>
-              </a:spcBef>
-            </a:pPr>
-            <a:r>
-              <a:rPr lang="en"/>
-              <a:t>Feedback system</a:t>
-            </a:r>
-          </a:p>
-          <a:p>
-            <a:pPr indent="-228600" lvl="0" marL="457200" rtl="0">
-              <a:spcBef>
-                <a:spcPts val="0"/>
-              </a:spcBef>
-            </a:pPr>
-            <a:r>
-              <a:rPr lang="en"/>
-              <a:t>Create and sell an item</a:t>
-            </a:r>
-          </a:p>
-          <a:p>
-            <a:pPr indent="-228600" lvl="0" marL="457200" rtl="0">
-              <a:spcBef>
-                <a:spcPts val="0"/>
-              </a:spcBef>
-            </a:pPr>
-            <a:r>
-              <a:rPr lang="en"/>
-              <a:t>Upload pictures</a:t>
-            </a:r>
-          </a:p>
-          <a:p>
-            <a:pPr lvl="0">
-              <a:spcBef>
-                <a:spcPts val="0"/>
-              </a:spcBef>
-              <a:buNone/>
-            </a:pPr>
-            <a:r>
-              <a:t/>
-            </a:r>
-            <a:endParaRPr/>
-          </a:p>
-          <a:p>
-            <a:pPr lvl="0">
-              <a:spcBef>
-                <a:spcPts val="0"/>
-              </a:spcBef>
-              <a:buNone/>
-            </a:pPr>
-            <a:r>
-              <a:t/>
-            </a:r>
-            <a:endParaRPr/>
-          </a:p>
-        </p:txBody>
-      </p:sp>
-      <p:sp>
-        <p:nvSpPr>
-          <p:cNvPr id="127" name="Shape 127"/>
-          <p:cNvSpPr txBox="1"/>
-          <p:nvPr>
-            <p:ph idx="2" type="body"/>
-          </p:nvPr>
-        </p:nvSpPr>
-        <p:spPr>
-          <a:xfrm>
-            <a:off x="4880200" y="445025"/>
-            <a:ext cx="3999900" cy="2426700"/>
-          </a:xfrm>
-          <a:prstGeom prst="rect">
-            <a:avLst/>
-          </a:prstGeom>
-        </p:spPr>
-        <p:txBody>
-          <a:bodyPr anchorCtr="0" anchor="t" bIns="91425" lIns="91425" rIns="91425" tIns="91425">
-            <a:noAutofit/>
-          </a:bodyPr>
-          <a:lstStyle/>
-          <a:p>
-            <a:pPr lvl="0">
-              <a:spcBef>
-                <a:spcPts val="0"/>
-              </a:spcBef>
-              <a:buNone/>
-            </a:pPr>
-            <a:r>
-              <a:rPr b="1" lang="en" sz="2100">
-                <a:solidFill>
-                  <a:schemeClr val="dk1"/>
-                </a:solidFill>
-              </a:rPr>
-              <a:t>User-Interface</a:t>
-            </a:r>
-          </a:p>
-          <a:p>
-            <a:pPr indent="-228600" lvl="0" marL="457200" rtl="0">
-              <a:spcBef>
-                <a:spcPts val="0"/>
-              </a:spcBef>
-            </a:pPr>
-            <a:r>
-              <a:rPr lang="en"/>
-              <a:t>Item listings(where the seller posts)</a:t>
-            </a:r>
-          </a:p>
-          <a:p>
-            <a:pPr indent="-228600" lvl="0" marL="457200" rtl="0">
-              <a:spcBef>
-                <a:spcPts val="0"/>
-              </a:spcBef>
-            </a:pPr>
-            <a:r>
-              <a:rPr lang="en"/>
-              <a:t>Facebook login page</a:t>
-            </a:r>
-          </a:p>
-          <a:p>
-            <a:pPr indent="-228600" lvl="0" marL="457200" rtl="0">
-              <a:spcBef>
-                <a:spcPts val="0"/>
-              </a:spcBef>
-            </a:pPr>
-            <a:r>
-              <a:rPr lang="en"/>
-              <a:t>Account information</a:t>
-            </a:r>
-          </a:p>
-          <a:p>
-            <a:pPr indent="-228600" lvl="0" marL="457200" rtl="0">
-              <a:spcBef>
-                <a:spcPts val="0"/>
-              </a:spcBef>
-            </a:pPr>
-            <a:r>
-              <a:rPr lang="en"/>
-              <a:t>Individual item view</a:t>
-            </a:r>
-          </a:p>
-          <a:p>
-            <a:pPr indent="-228600" lvl="0" marL="457200" rtl="0">
-              <a:spcBef>
-                <a:spcPts val="0"/>
-              </a:spcBef>
-            </a:pPr>
-            <a:r>
-              <a:rPr lang="en"/>
-              <a:t>Favorites page</a:t>
-            </a:r>
-          </a:p>
-          <a:p>
-            <a:pPr indent="-228600" lvl="0" marL="457200" rtl="0">
-              <a:spcBef>
-                <a:spcPts val="0"/>
-              </a:spcBef>
-            </a:pPr>
-            <a:r>
-              <a:rPr lang="en"/>
-              <a:t>Chat system</a:t>
-            </a:r>
-          </a:p>
-          <a:p>
-            <a:pPr indent="-228600" lvl="0" marL="457200" rtl="0">
-              <a:spcBef>
-                <a:spcPts val="0"/>
-              </a:spcBef>
-            </a:pPr>
-            <a:r>
-              <a:rPr lang="en"/>
-              <a:t>Dashboard</a:t>
-            </a:r>
-          </a:p>
-          <a:p>
-            <a:pPr lvl="0">
-              <a:spcBef>
-                <a:spcPts val="0"/>
-              </a:spcBef>
-              <a:buNone/>
-            </a:pPr>
-            <a:r>
-              <a:t/>
-            </a:r>
-            <a:endParaRPr/>
-          </a:p>
-          <a:p>
-            <a:pPr lvl="0">
-              <a:spcBef>
-                <a:spcPts val="0"/>
-              </a:spcBef>
-              <a:buNone/>
-            </a:pPr>
-            <a:r>
-              <a:t/>
-            </a:r>
-            <a:endParaRPr/>
-          </a:p>
-        </p:txBody>
-      </p:sp>
-      <p:sp>
-        <p:nvSpPr>
-          <p:cNvPr id="128" name="Shape 128"/>
-          <p:cNvSpPr txBox="1"/>
-          <p:nvPr>
-            <p:ph idx="1" type="body"/>
-          </p:nvPr>
-        </p:nvSpPr>
-        <p:spPr>
-          <a:xfrm>
-            <a:off x="4880200" y="2871725"/>
-            <a:ext cx="3999900" cy="1709700"/>
-          </a:xfrm>
-          <a:prstGeom prst="rect">
-            <a:avLst/>
-          </a:prstGeom>
-        </p:spPr>
-        <p:txBody>
-          <a:bodyPr anchorCtr="0" anchor="t" bIns="91425" lIns="91425" rIns="91425" tIns="91425">
-            <a:noAutofit/>
-          </a:bodyPr>
-          <a:lstStyle/>
-          <a:p>
-            <a:pPr lvl="0" rtl="0">
-              <a:spcBef>
-                <a:spcPts val="0"/>
-              </a:spcBef>
-              <a:buNone/>
-            </a:pPr>
-            <a:r>
-              <a:rPr b="1" lang="en" sz="2100">
-                <a:solidFill>
-                  <a:schemeClr val="dk1"/>
-                </a:solidFill>
-              </a:rPr>
-              <a:t>Security</a:t>
-            </a:r>
-          </a:p>
-          <a:p>
-            <a:pPr indent="-228600" lvl="0" marL="457200" rtl="0">
-              <a:spcBef>
-                <a:spcPts val="0"/>
-              </a:spcBef>
-            </a:pPr>
-            <a:r>
-              <a:rPr lang="en"/>
-              <a:t>Payment system is done through stripe</a:t>
-            </a:r>
-          </a:p>
-          <a:p>
-            <a:pPr indent="-228600" lvl="0" marL="457200" rtl="0">
-              <a:spcBef>
-                <a:spcPts val="0"/>
-              </a:spcBef>
-            </a:pPr>
-            <a:r>
-              <a:rPr lang="en"/>
-              <a:t>Facebook login to validate identities</a:t>
-            </a:r>
-          </a:p>
-          <a:p>
-            <a:pPr indent="-228600" lvl="0" marL="457200" rtl="0">
-              <a:spcBef>
-                <a:spcPts val="0"/>
-              </a:spcBef>
-            </a:pPr>
-            <a:r>
-              <a:rPr lang="en"/>
-              <a:t>Chat system is done in-app</a:t>
-            </a:r>
-          </a:p>
-          <a:p>
-            <a:pPr indent="-228600" lvl="0" marL="457200" rtl="0">
-              <a:spcBef>
-                <a:spcPts val="0"/>
-              </a:spcBef>
-            </a:pPr>
-            <a:r>
-              <a:rPr lang="en"/>
-              <a:t>User rating/report system</a:t>
-            </a:r>
-          </a:p>
-          <a:p>
-            <a:pPr lvl="0" rtl="0">
-              <a:spcBef>
-                <a:spcPts val="0"/>
-              </a:spcBef>
-              <a:buNone/>
-            </a:pPr>
-            <a:r>
-              <a:rPr lang="en"/>
-              <a:t>	</a:t>
-            </a:r>
-          </a:p>
-          <a:p>
-            <a:pPr lvl="0" rtl="0">
-              <a:spcBef>
-                <a:spcPts val="0"/>
-              </a:spcBef>
-              <a:buNone/>
-            </a:pPr>
-            <a:r>
-              <a:t/>
-            </a:r>
-            <a:endParaRPr/>
+              <a:rPr lang="en" sz="3000"/>
+              <a:t>Ketch is a mobile application designed to buy and sell goods locally between two parties in a safe, easy and effective manner.</a:t>
+            </a:r>
           </a:p>
         </p:txBody>
       </p:sp>
@@ -12617,7 +12811,7 @@
   <p:cSld>
     <p:spTree>
       <p:nvGrpSpPr>
-        <p:cNvPr id="132" name="Shape 132"/>
+        <p:cNvPr id="129" name="Shape 129"/>
         <p:cNvGrpSpPr/>
         <p:nvPr/>
       </p:nvGrpSpPr>
@@ -12631,7 +12825,7 @@
       </p:grpSpPr>
       <p:sp>
         <p:nvSpPr>
-          <p:cNvPr id="133" name="Shape 133"/>
+          <p:cNvPr id="130" name="Shape 130"/>
           <p:cNvSpPr txBox="1"/>
           <p:nvPr>
             <p:ph type="title"/>
@@ -12639,15 +12833,15 @@
         </p:nvSpPr>
         <p:spPr>
           <a:xfrm>
-            <a:off x="265500" y="1716600"/>
-            <a:ext cx="4045200" cy="1710300"/>
+            <a:off x="311700" y="445025"/>
+            <a:ext cx="8520600" cy="572700"/>
           </a:xfrm>
           <a:prstGeom prst="rect">
             <a:avLst/>
           </a:prstGeom>
         </p:spPr>
         <p:txBody>
-          <a:bodyPr anchorCtr="0" anchor="b" bIns="91425" lIns="91425" rIns="91425" tIns="91425">
+          <a:bodyPr anchorCtr="0" anchor="t" bIns="91425" lIns="91425" rIns="91425" tIns="91425">
             <a:noAutofit/>
           </a:bodyPr>
           <a:lstStyle/>
@@ -12660,39 +12854,480 @@
             </a:pPr>
             <a:r>
               <a:rPr lang="en"/>
-              <a:t>Entire System Design</a:t>
+              <a:t>Requirements</a:t>
             </a:r>
           </a:p>
         </p:txBody>
       </p:sp>
-      <p:pic>
-        <p:nvPicPr>
-          <p:cNvPr id="134" name="Shape 134"/>
-          <p:cNvPicPr preferRelativeResize="0"/>
-          <p:nvPr/>
-        </p:nvPicPr>
-        <p:blipFill>
-          <a:blip r:embed="rId3">
-            <a:alphaModFix/>
-          </a:blip>
-          <a:stretch>
-            <a:fillRect/>
-          </a:stretch>
-        </p:blipFill>
-        <p:spPr>
-          <a:xfrm>
-            <a:off x="4705375" y="374737"/>
-            <a:ext cx="4305725" cy="4394024"/>
-          </a:xfrm>
-          <a:prstGeom prst="rect">
-            <a:avLst/>
-          </a:prstGeom>
-          <a:noFill/>
-          <a:ln>
-            <a:noFill/>
-          </a:ln>
-        </p:spPr>
-      </p:pic>
+      <p:sp>
+        <p:nvSpPr>
+          <p:cNvPr id="131" name="Shape 131"/>
+          <p:cNvSpPr txBox="1"/>
+          <p:nvPr>
+            <p:ph idx="1" type="body"/>
+          </p:nvPr>
+        </p:nvSpPr>
+        <p:spPr>
+          <a:xfrm>
+            <a:off x="311700" y="1152475"/>
+            <a:ext cx="3999900" cy="3416400"/>
+          </a:xfrm>
+          <a:prstGeom prst="rect">
+            <a:avLst/>
+          </a:prstGeom>
+        </p:spPr>
+        <p:txBody>
+          <a:bodyPr anchorCtr="0" anchor="t" bIns="91425" lIns="91425" rIns="91425" tIns="91425">
+            <a:noAutofit/>
+          </a:bodyPr>
+          <a:lstStyle/>
+          <a:p>
+            <a:pPr lvl="0">
+              <a:spcBef>
+                <a:spcPts val="0"/>
+              </a:spcBef>
+              <a:buNone/>
+            </a:pPr>
+            <a:r>
+              <a:rPr b="1" lang="en" sz="2100">
+                <a:solidFill>
+                  <a:schemeClr val="dk1"/>
+                </a:solidFill>
+              </a:rPr>
+              <a:t>Functional</a:t>
+            </a:r>
+            <a:r>
+              <a:rPr lang="en"/>
+              <a:t> </a:t>
+            </a:r>
+          </a:p>
+          <a:p>
+            <a:pPr indent="-304800" lvl="0" marL="457200" rtl="0">
+              <a:spcBef>
+                <a:spcPts val="0"/>
+              </a:spcBef>
+              <a:buSzPct val="100000"/>
+            </a:pPr>
+            <a:r>
+              <a:rPr lang="en" sz="1200"/>
+              <a:t>Message between users and buyer</a:t>
+            </a:r>
+          </a:p>
+          <a:p>
+            <a:pPr indent="-304800" lvl="0" marL="457200" rtl="0">
+              <a:spcBef>
+                <a:spcPts val="0"/>
+              </a:spcBef>
+              <a:buSzPct val="100000"/>
+            </a:pPr>
+            <a:r>
+              <a:rPr lang="en" sz="1200"/>
+              <a:t>Show items based upon location</a:t>
+            </a:r>
+          </a:p>
+          <a:p>
+            <a:pPr indent="-304800" lvl="0" marL="457200" rtl="0">
+              <a:spcBef>
+                <a:spcPts val="0"/>
+              </a:spcBef>
+              <a:buSzPct val="100000"/>
+            </a:pPr>
+            <a:r>
+              <a:rPr lang="en" sz="1200"/>
+              <a:t>Customer support tutorial</a:t>
+            </a:r>
+          </a:p>
+          <a:p>
+            <a:pPr indent="-304800" lvl="0" marL="457200" rtl="0">
+              <a:spcBef>
+                <a:spcPts val="0"/>
+              </a:spcBef>
+              <a:buSzPct val="100000"/>
+            </a:pPr>
+            <a:r>
+              <a:rPr lang="en" sz="1200"/>
+              <a:t>Edit account information</a:t>
+            </a:r>
+          </a:p>
+          <a:p>
+            <a:pPr indent="-304800" lvl="0" marL="457200" rtl="0">
+              <a:spcBef>
+                <a:spcPts val="0"/>
+              </a:spcBef>
+              <a:buSzPct val="100000"/>
+            </a:pPr>
+            <a:r>
+              <a:rPr lang="en" sz="1200"/>
+              <a:t>Feedback system</a:t>
+            </a:r>
+          </a:p>
+          <a:p>
+            <a:pPr indent="-304800" lvl="0" marL="457200" rtl="0">
+              <a:spcBef>
+                <a:spcPts val="0"/>
+              </a:spcBef>
+              <a:buSzPct val="100000"/>
+            </a:pPr>
+            <a:r>
+              <a:rPr lang="en" sz="1200"/>
+              <a:t>Create and sell an item</a:t>
+            </a:r>
+          </a:p>
+          <a:p>
+            <a:pPr indent="-304800" lvl="0" marL="457200" rtl="0">
+              <a:spcBef>
+                <a:spcPts val="0"/>
+              </a:spcBef>
+              <a:buSzPct val="100000"/>
+            </a:pPr>
+            <a:r>
+              <a:rPr lang="en" sz="1200"/>
+              <a:t>Upload pictures</a:t>
+            </a:r>
+          </a:p>
+          <a:p>
+            <a:pPr lvl="0">
+              <a:spcBef>
+                <a:spcPts val="0"/>
+              </a:spcBef>
+              <a:buNone/>
+            </a:pPr>
+            <a:r>
+              <a:rPr b="1" lang="en" sz="2100">
+                <a:solidFill>
+                  <a:schemeClr val="dk1"/>
+                </a:solidFill>
+              </a:rPr>
+              <a:t>Technical</a:t>
+            </a:r>
+            <a:r>
+              <a:rPr lang="en"/>
+              <a:t> </a:t>
+            </a:r>
+          </a:p>
+          <a:p>
+            <a:pPr indent="-304800" lvl="0" marL="457200" rtl="0">
+              <a:spcBef>
+                <a:spcPts val="0"/>
+              </a:spcBef>
+              <a:buSzPct val="100000"/>
+            </a:pPr>
+            <a:r>
+              <a:rPr lang="en" sz="1200"/>
+              <a:t>iOS 10.1			</a:t>
+            </a:r>
+          </a:p>
+          <a:p>
+            <a:pPr indent="-304800" lvl="0" marL="457200" rtl="0">
+              <a:spcBef>
+                <a:spcPts val="0"/>
+              </a:spcBef>
+              <a:buSzPct val="100000"/>
+            </a:pPr>
+            <a:r>
+              <a:rPr lang="en" sz="1200"/>
+              <a:t>100 MB of Storage</a:t>
+            </a:r>
+          </a:p>
+          <a:p>
+            <a:pPr lvl="0" rtl="0">
+              <a:spcBef>
+                <a:spcPts val="0"/>
+              </a:spcBef>
+              <a:buNone/>
+            </a:pPr>
+            <a:r>
+              <a:t/>
+            </a:r>
+            <a:endParaRPr/>
+          </a:p>
+          <a:p>
+            <a:pPr lvl="0" rtl="0">
+              <a:spcBef>
+                <a:spcPts val="0"/>
+              </a:spcBef>
+              <a:buNone/>
+            </a:pPr>
+            <a:r>
+              <a:t/>
+            </a:r>
+            <a:endParaRPr/>
+          </a:p>
+          <a:p>
+            <a:pPr lvl="0">
+              <a:spcBef>
+                <a:spcPts val="0"/>
+              </a:spcBef>
+              <a:buNone/>
+            </a:pPr>
+            <a:r>
+              <a:t/>
+            </a:r>
+            <a:endParaRPr/>
+          </a:p>
+          <a:p>
+            <a:pPr lvl="0">
+              <a:spcBef>
+                <a:spcPts val="0"/>
+              </a:spcBef>
+              <a:buNone/>
+            </a:pPr>
+            <a:r>
+              <a:t/>
+            </a:r>
+            <a:endParaRPr/>
+          </a:p>
+        </p:txBody>
+      </p:sp>
+      <p:sp>
+        <p:nvSpPr>
+          <p:cNvPr id="132" name="Shape 132"/>
+          <p:cNvSpPr txBox="1"/>
+          <p:nvPr>
+            <p:ph idx="2" type="body"/>
+          </p:nvPr>
+        </p:nvSpPr>
+        <p:spPr>
+          <a:xfrm>
+            <a:off x="4880200" y="445025"/>
+            <a:ext cx="3999900" cy="2426700"/>
+          </a:xfrm>
+          <a:prstGeom prst="rect">
+            <a:avLst/>
+          </a:prstGeom>
+        </p:spPr>
+        <p:txBody>
+          <a:bodyPr anchorCtr="0" anchor="t" bIns="91425" lIns="91425" rIns="91425" tIns="91425">
+            <a:noAutofit/>
+          </a:bodyPr>
+          <a:lstStyle/>
+          <a:p>
+            <a:pPr lvl="0">
+              <a:spcBef>
+                <a:spcPts val="0"/>
+              </a:spcBef>
+              <a:buNone/>
+            </a:pPr>
+            <a:r>
+              <a:rPr b="1" lang="en" sz="2100">
+                <a:solidFill>
+                  <a:schemeClr val="dk1"/>
+                </a:solidFill>
+              </a:rPr>
+              <a:t>User-Interface</a:t>
+            </a:r>
+          </a:p>
+          <a:p>
+            <a:pPr indent="-228600" lvl="0" marL="457200" rtl="0">
+              <a:spcBef>
+                <a:spcPts val="0"/>
+              </a:spcBef>
+            </a:pPr>
+            <a:r>
+              <a:rPr lang="en"/>
+              <a:t>Item listings(where the seller posts)</a:t>
+            </a:r>
+          </a:p>
+          <a:p>
+            <a:pPr indent="-228600" lvl="0" marL="457200" rtl="0">
+              <a:spcBef>
+                <a:spcPts val="0"/>
+              </a:spcBef>
+            </a:pPr>
+            <a:r>
+              <a:rPr lang="en"/>
+              <a:t>Facebook login page</a:t>
+            </a:r>
+          </a:p>
+          <a:p>
+            <a:pPr indent="-228600" lvl="0" marL="457200" rtl="0">
+              <a:spcBef>
+                <a:spcPts val="0"/>
+              </a:spcBef>
+            </a:pPr>
+            <a:r>
+              <a:rPr lang="en"/>
+              <a:t>Account information</a:t>
+            </a:r>
+          </a:p>
+          <a:p>
+            <a:pPr indent="-228600" lvl="0" marL="457200" rtl="0">
+              <a:spcBef>
+                <a:spcPts val="0"/>
+              </a:spcBef>
+            </a:pPr>
+            <a:r>
+              <a:rPr lang="en"/>
+              <a:t>Individual item view</a:t>
+            </a:r>
+          </a:p>
+          <a:p>
+            <a:pPr indent="-228600" lvl="0" marL="457200" rtl="0">
+              <a:spcBef>
+                <a:spcPts val="0"/>
+              </a:spcBef>
+            </a:pPr>
+            <a:r>
+              <a:rPr lang="en"/>
+              <a:t>Favorites page</a:t>
+            </a:r>
+          </a:p>
+          <a:p>
+            <a:pPr indent="-228600" lvl="0" marL="457200" rtl="0">
+              <a:spcBef>
+                <a:spcPts val="0"/>
+              </a:spcBef>
+            </a:pPr>
+            <a:r>
+              <a:rPr lang="en"/>
+              <a:t>Chat system</a:t>
+            </a:r>
+          </a:p>
+          <a:p>
+            <a:pPr indent="-228600" lvl="0" marL="457200" rtl="0">
+              <a:spcBef>
+                <a:spcPts val="0"/>
+              </a:spcBef>
+            </a:pPr>
+            <a:r>
+              <a:rPr lang="en"/>
+              <a:t>Dashboard</a:t>
+            </a:r>
+          </a:p>
+          <a:p>
+            <a:pPr lvl="0">
+              <a:spcBef>
+                <a:spcPts val="0"/>
+              </a:spcBef>
+              <a:buNone/>
+            </a:pPr>
+            <a:r>
+              <a:t/>
+            </a:r>
+            <a:endParaRPr/>
+          </a:p>
+          <a:p>
+            <a:pPr lvl="0">
+              <a:spcBef>
+                <a:spcPts val="0"/>
+              </a:spcBef>
+              <a:buNone/>
+            </a:pPr>
+            <a:r>
+              <a:t/>
+            </a:r>
+            <a:endParaRPr/>
+          </a:p>
+        </p:txBody>
+      </p:sp>
+      <p:sp>
+        <p:nvSpPr>
+          <p:cNvPr id="133" name="Shape 133"/>
+          <p:cNvSpPr txBox="1"/>
+          <p:nvPr>
+            <p:ph idx="1" type="body"/>
+          </p:nvPr>
+        </p:nvSpPr>
+        <p:spPr>
+          <a:xfrm>
+            <a:off x="4880200" y="2871725"/>
+            <a:ext cx="3999900" cy="1709700"/>
+          </a:xfrm>
+          <a:prstGeom prst="rect">
+            <a:avLst/>
+          </a:prstGeom>
+        </p:spPr>
+        <p:txBody>
+          <a:bodyPr anchorCtr="0" anchor="t" bIns="91425" lIns="91425" rIns="91425" tIns="91425">
+            <a:noAutofit/>
+          </a:bodyPr>
+          <a:lstStyle/>
+          <a:p>
+            <a:pPr lvl="0" rtl="0">
+              <a:spcBef>
+                <a:spcPts val="0"/>
+              </a:spcBef>
+              <a:buNone/>
+            </a:pPr>
+            <a:r>
+              <a:rPr b="1" lang="en" sz="2100">
+                <a:solidFill>
+                  <a:schemeClr val="dk1"/>
+                </a:solidFill>
+              </a:rPr>
+              <a:t>Security</a:t>
+            </a:r>
+          </a:p>
+          <a:p>
+            <a:pPr indent="-228600" lvl="0" marL="457200" rtl="0">
+              <a:spcBef>
+                <a:spcPts val="0"/>
+              </a:spcBef>
+            </a:pPr>
+            <a:r>
+              <a:rPr lang="en"/>
+              <a:t>Payment system is done through stripe</a:t>
+            </a:r>
+          </a:p>
+          <a:p>
+            <a:pPr indent="-228600" lvl="0" marL="457200" rtl="0">
+              <a:spcBef>
+                <a:spcPts val="0"/>
+              </a:spcBef>
+            </a:pPr>
+            <a:r>
+              <a:rPr lang="en"/>
+              <a:t>Facebook login to validate identities</a:t>
+            </a:r>
+          </a:p>
+          <a:p>
+            <a:pPr indent="-228600" lvl="0" marL="457200" rtl="0">
+              <a:spcBef>
+                <a:spcPts val="0"/>
+              </a:spcBef>
+            </a:pPr>
+            <a:r>
+              <a:rPr lang="en"/>
+              <a:t>Chat system is done in-app</a:t>
+            </a:r>
+          </a:p>
+          <a:p>
+            <a:pPr indent="-228600" lvl="0" marL="457200" rtl="0">
+              <a:spcBef>
+                <a:spcPts val="0"/>
+              </a:spcBef>
+            </a:pPr>
+            <a:r>
+              <a:rPr lang="en"/>
+              <a:t>User rating/report system</a:t>
+            </a:r>
+          </a:p>
+          <a:p>
+            <a:pPr lvl="0" rtl="0">
+              <a:spcBef>
+                <a:spcPts val="0"/>
+              </a:spcBef>
+              <a:buNone/>
+            </a:pPr>
+            <a:r>
+              <a:rPr lang="en"/>
+              <a:t>	</a:t>
+            </a:r>
+          </a:p>
+          <a:p>
+            <a:pPr lvl="0" rtl="0">
+              <a:spcBef>
+                <a:spcPts val="0"/>
+              </a:spcBef>
+              <a:buNone/>
+            </a:pPr>
+            <a:r>
+              <a:t/>
+            </a:r>
+            <a:endParaRPr/>
+          </a:p>
+        </p:txBody>
+      </p:sp>
     </p:spTree>
   </p:cSld>
   <p:clrMapOvr>
@@ -12706,7 +13341,7 @@
   <p:cSld>
     <p:spTree>
       <p:nvGrpSpPr>
-        <p:cNvPr id="138" name="Shape 138"/>
+        <p:cNvPr id="137" name="Shape 137"/>
         <p:cNvGrpSpPr/>
         <p:nvPr/>
       </p:nvGrpSpPr>
@@ -12720,7 +13355,7 @@
       </p:grpSpPr>
       <p:sp>
         <p:nvSpPr>
-          <p:cNvPr id="139" name="Shape 139"/>
+          <p:cNvPr id="138" name="Shape 138"/>
           <p:cNvSpPr txBox="1"/>
           <p:nvPr>
             <p:ph type="title"/>
@@ -12728,15 +13363,15 @@
         </p:nvSpPr>
         <p:spPr>
           <a:xfrm>
-            <a:off x="311700" y="445025"/>
-            <a:ext cx="8520600" cy="572700"/>
+            <a:off x="265500" y="1716600"/>
+            <a:ext cx="4045200" cy="1710300"/>
           </a:xfrm>
           <a:prstGeom prst="rect">
             <a:avLst/>
           </a:prstGeom>
         </p:spPr>
         <p:txBody>
-          <a:bodyPr anchorCtr="0" anchor="t" bIns="91425" lIns="91425" rIns="91425" tIns="91425">
+          <a:bodyPr anchorCtr="0" anchor="b" bIns="91425" lIns="91425" rIns="91425" tIns="91425">
             <a:noAutofit/>
           </a:bodyPr>
           <a:lstStyle/>
@@ -12749,112 +13384,14 @@
             </a:pPr>
             <a:r>
               <a:rPr lang="en"/>
-              <a:t>Initial Login and </a:t>
-            </a:r>
-            <a:r>
-              <a:rPr lang="en"/>
-              <a:t>Authorization</a:t>
-            </a:r>
-          </a:p>
-        </p:txBody>
-      </p:sp>
-      <p:sp>
-        <p:nvSpPr>
-          <p:cNvPr id="140" name="Shape 140"/>
-          <p:cNvSpPr txBox="1"/>
-          <p:nvPr>
-            <p:ph idx="1" type="body"/>
-          </p:nvPr>
-        </p:nvSpPr>
-        <p:spPr>
-          <a:xfrm>
-            <a:off x="311700" y="1152475"/>
-            <a:ext cx="2425800" cy="3416400"/>
-          </a:xfrm>
-          <a:prstGeom prst="rect">
-            <a:avLst/>
-          </a:prstGeom>
-        </p:spPr>
-        <p:txBody>
-          <a:bodyPr anchorCtr="0" anchor="t" bIns="91425" lIns="91425" rIns="91425" tIns="91425">
-            <a:noAutofit/>
-          </a:bodyPr>
-          <a:lstStyle/>
-          <a:p>
-            <a:pPr indent="-228600" lvl="0" marL="457200" rtl="0">
-              <a:spcBef>
-                <a:spcPts val="0"/>
-              </a:spcBef>
-            </a:pPr>
-            <a:r>
-              <a:rPr lang="en"/>
-              <a:t>Profiles linked to unique FaceBook users</a:t>
-            </a:r>
-          </a:p>
-          <a:p>
-            <a:pPr lvl="0" rtl="0">
-              <a:spcBef>
-                <a:spcPts val="0"/>
-              </a:spcBef>
-              <a:buNone/>
-            </a:pPr>
-            <a:r>
-              <a:t/>
-            </a:r>
-            <a:endParaRPr/>
-          </a:p>
-          <a:p>
-            <a:pPr indent="-228600" lvl="0" marL="457200">
-              <a:spcBef>
-                <a:spcPts val="0"/>
-              </a:spcBef>
-            </a:pPr>
-            <a:r>
-              <a:rPr lang="en"/>
-              <a:t>Login is used at the beginning and then again in a few other circumstances</a:t>
-            </a:r>
-          </a:p>
-        </p:txBody>
-      </p:sp>
-      <p:sp>
-        <p:nvSpPr>
-          <p:cNvPr id="141" name="Shape 141"/>
-          <p:cNvSpPr txBox="1"/>
-          <p:nvPr>
-            <p:ph idx="2" type="body"/>
-          </p:nvPr>
-        </p:nvSpPr>
-        <p:spPr>
-          <a:xfrm>
-            <a:off x="4832400" y="1152475"/>
-            <a:ext cx="3999900" cy="3416400"/>
-          </a:xfrm>
-          <a:prstGeom prst="rect">
-            <a:avLst/>
-          </a:prstGeom>
-        </p:spPr>
-        <p:txBody>
-          <a:bodyPr anchorCtr="0" anchor="t" bIns="91425" lIns="91425" rIns="91425" tIns="91425">
-            <a:noAutofit/>
-          </a:bodyPr>
-          <a:lstStyle/>
-          <a:p>
-            <a:pPr lvl="0">
-              <a:spcBef>
-                <a:spcPts val="0"/>
-              </a:spcBef>
-              <a:buNone/>
-            </a:pPr>
-            <a:r>
-              <a:t/>
-            </a:r>
-            <a:endParaRPr/>
+              <a:t>Entire System Design</a:t>
+            </a:r>
           </a:p>
         </p:txBody>
       </p:sp>
       <p:pic>
         <p:nvPicPr>
-          <p:cNvPr descr="IMG_0362.PNG" id="142" name="Shape 142"/>
+          <p:cNvPr id="139" name="Shape 139"/>
           <p:cNvPicPr preferRelativeResize="0"/>
           <p:nvPr/>
         </p:nvPicPr>
@@ -12868,64 +13405,8 @@
         </p:blipFill>
         <p:spPr>
           <a:xfrm>
-            <a:off x="3030775" y="1152475"/>
-            <a:ext cx="1866651" cy="3416399"/>
-          </a:xfrm>
-          <a:prstGeom prst="rect">
-            <a:avLst/>
-          </a:prstGeom>
-          <a:noFill/>
-          <a:ln>
-            <a:noFill/>
-          </a:ln>
-        </p:spPr>
-      </p:pic>
-      <p:pic>
-        <p:nvPicPr>
-          <p:cNvPr descr="IMG_5099.png" id="143" name="Shape 143"/>
-          <p:cNvPicPr preferRelativeResize="0"/>
-          <p:nvPr/>
-        </p:nvPicPr>
-        <p:blipFill>
-          <a:blip r:embed="rId4">
-            <a:alphaModFix/>
-          </a:blip>
-          <a:stretch>
-            <a:fillRect/>
-          </a:stretch>
-        </p:blipFill>
-        <p:spPr>
-          <a:xfrm>
-            <a:off x="6965650" y="1152475"/>
-            <a:ext cx="1866649" cy="3416400"/>
-          </a:xfrm>
-          <a:prstGeom prst="rect">
-            <a:avLst/>
-          </a:prstGeom>
-          <a:noFill/>
-          <a:ln>
-            <a:noFill/>
-          </a:ln>
-        </p:spPr>
-      </p:pic>
-      <p:pic>
-        <p:nvPicPr>
-          <p:cNvPr id="144" name="Shape 144"/>
-          <p:cNvPicPr preferRelativeResize="0"/>
-          <p:nvPr/>
-        </p:nvPicPr>
-        <p:blipFill>
-          <a:blip r:embed="rId5">
-            <a:alphaModFix/>
-          </a:blip>
-          <a:stretch>
-            <a:fillRect/>
-          </a:stretch>
-        </p:blipFill>
-        <p:spPr>
-          <a:xfrm>
-            <a:off x="4998212" y="1152475"/>
-            <a:ext cx="1866649" cy="3416400"/>
+            <a:off x="4705375" y="374737"/>
+            <a:ext cx="4305725" cy="4394024"/>
           </a:xfrm>
           <a:prstGeom prst="rect">
             <a:avLst/>
@@ -12949,7 +13430,7 @@
   <p:cSld>
     <p:spTree>
       <p:nvGrpSpPr>
-        <p:cNvPr id="148" name="Shape 148"/>
+        <p:cNvPr id="143" name="Shape 143"/>
         <p:cNvGrpSpPr/>
         <p:nvPr/>
       </p:nvGrpSpPr>
@@ -12963,7 +13444,7 @@
       </p:grpSpPr>
       <p:sp>
         <p:nvSpPr>
-          <p:cNvPr id="149" name="Shape 149"/>
+          <p:cNvPr id="144" name="Shape 144"/>
           <p:cNvSpPr txBox="1"/>
           <p:nvPr>
             <p:ph type="title"/>
@@ -12984,7 +13465,7 @@
           </a:bodyPr>
           <a:lstStyle/>
           <a:p>
-            <a:pPr lvl="0" rtl="0">
+            <a:pPr lvl="0">
               <a:spcBef>
                 <a:spcPts val="0"/>
               </a:spcBef>
@@ -12992,14 +13473,18 @@
             </a:pPr>
             <a:r>
               <a:rPr lang="en"/>
-              <a:t>Initial Setup and Dashboard</a:t>
+              <a:t>Initial Login and </a:t>
+            </a:r>
+            <a:r>
+              <a:rPr lang="en"/>
+              <a:t>Authorization</a:t>
             </a:r>
           </a:p>
         </p:txBody>
       </p:sp>
       <p:sp>
         <p:nvSpPr>
-          <p:cNvPr id="150" name="Shape 150"/>
+          <p:cNvPr id="145" name="Shape 145"/>
           <p:cNvSpPr txBox="1"/>
           <p:nvPr>
             <p:ph idx="1" type="body"/>
@@ -13008,7 +13493,7 @@
         <p:spPr>
           <a:xfrm>
             <a:off x="311700" y="1152475"/>
-            <a:ext cx="2822400" cy="3416400"/>
+            <a:ext cx="2425800" cy="3416400"/>
           </a:xfrm>
           <a:prstGeom prst="rect">
             <a:avLst/>
@@ -13027,7 +13512,7 @@
             </a:pPr>
             <a:r>
               <a:rPr lang="en"/>
-              <a:t>Upon first entering the application, Zip Code is to be set by the User and can be changed later by the User on the Account Page</a:t>
+              <a:t>Profiles linked to unique FaceBook users</a:t>
             </a:r>
           </a:p>
           <a:p>
@@ -13043,25 +13528,21 @@
             <a:endParaRPr/>
           </a:p>
           <a:p>
-            <a:pPr indent="-228600" lvl="0" marL="457200" rtl="0">
+            <a:pPr indent="-228600" lvl="0" marL="457200">
               <a:spcBef>
                 <a:spcPts val="0"/>
               </a:spcBef>
             </a:pPr>
             <a:r>
               <a:rPr lang="en"/>
-              <a:t>A </a:t>
-            </a:r>
-            <a:r>
-              <a:rPr lang="en"/>
-              <a:t>User can select an image pulling up an Item Page and the User can also navigate throughout all functions on the application</a:t>
+              <a:t>Login is used at the beginning and then again in a few other circumstances</a:t>
             </a:r>
           </a:p>
         </p:txBody>
       </p:sp>
       <p:sp>
         <p:nvSpPr>
-          <p:cNvPr id="151" name="Shape 151"/>
+          <p:cNvPr id="146" name="Shape 146"/>
           <p:cNvSpPr txBox="1"/>
           <p:nvPr>
             <p:ph idx="2" type="body"/>
@@ -13082,7 +13563,7 @@
           </a:bodyPr>
           <a:lstStyle/>
           <a:p>
-            <a:pPr lvl="0" rtl="0">
+            <a:pPr lvl="0">
               <a:spcBef>
                 <a:spcPts val="0"/>
               </a:spcBef>
@@ -13097,7 +13578,7 @@
       </p:sp>
       <p:pic>
         <p:nvPicPr>
-          <p:cNvPr descr="IMG_0363.PNG" id="152" name="Shape 152"/>
+          <p:cNvPr descr="IMG_0362.PNG" id="147" name="Shape 147"/>
           <p:cNvPicPr preferRelativeResize="0"/>
           <p:nvPr/>
         </p:nvPicPr>
@@ -13111,7 +13592,7 @@
         </p:blipFill>
         <p:spPr>
           <a:xfrm>
-            <a:off x="3804575" y="1152475"/>
+            <a:off x="3030775" y="1152475"/>
             <a:ext cx="1866651" cy="3416399"/>
           </a:xfrm>
           <a:prstGeom prst="rect">
@@ -13125,7 +13606,7 @@
       </p:pic>
       <p:pic>
         <p:nvPicPr>
-          <p:cNvPr id="153" name="Shape 153"/>
+          <p:cNvPr descr="IMG_5099.png" id="148" name="Shape 148"/>
           <p:cNvPicPr preferRelativeResize="0"/>
           <p:nvPr/>
         </p:nvPicPr>
@@ -13139,8 +13620,36 @@
         </p:blipFill>
         <p:spPr>
           <a:xfrm>
-            <a:off x="6216212" y="1152475"/>
-            <a:ext cx="1914599" cy="3416400"/>
+            <a:off x="6965650" y="1152475"/>
+            <a:ext cx="1866649" cy="3416400"/>
+          </a:xfrm>
+          <a:prstGeom prst="rect">
+            <a:avLst/>
+          </a:prstGeom>
+          <a:noFill/>
+          <a:ln>
+            <a:noFill/>
+          </a:ln>
+        </p:spPr>
+      </p:pic>
+      <p:pic>
+        <p:nvPicPr>
+          <p:cNvPr id="149" name="Shape 149"/>
+          <p:cNvPicPr preferRelativeResize="0"/>
+          <p:nvPr/>
+        </p:nvPicPr>
+        <p:blipFill>
+          <a:blip r:embed="rId5">
+            <a:alphaModFix/>
+          </a:blip>
+          <a:stretch>
+            <a:fillRect/>
+          </a:stretch>
+        </p:blipFill>
+        <p:spPr>
+          <a:xfrm>
+            <a:off x="4998212" y="1152475"/>
+            <a:ext cx="1866649" cy="3416400"/>
           </a:xfrm>
           <a:prstGeom prst="rect">
             <a:avLst/>
@@ -13164,7 +13673,7 @@
   <p:cSld>
     <p:spTree>
       <p:nvGrpSpPr>
-        <p:cNvPr id="157" name="Shape 157"/>
+        <p:cNvPr id="153" name="Shape 153"/>
         <p:cNvGrpSpPr/>
         <p:nvPr/>
       </p:nvGrpSpPr>
@@ -13178,7 +13687,7 @@
       </p:grpSpPr>
       <p:sp>
         <p:nvSpPr>
-          <p:cNvPr id="158" name="Shape 158"/>
+          <p:cNvPr id="154" name="Shape 154"/>
           <p:cNvSpPr txBox="1"/>
           <p:nvPr>
             <p:ph type="title"/>
@@ -13199,7 +13708,7 @@
           </a:bodyPr>
           <a:lstStyle/>
           <a:p>
-            <a:pPr lvl="0">
+            <a:pPr lvl="0" rtl="0">
               <a:spcBef>
                 <a:spcPts val="0"/>
               </a:spcBef>
@@ -13207,14 +13716,14 @@
             </a:pPr>
             <a:r>
               <a:rPr lang="en"/>
-              <a:t>Selling Post and Item Page</a:t>
+              <a:t>Initial Setup and Dashboard</a:t>
             </a:r>
           </a:p>
         </p:txBody>
       </p:sp>
       <p:sp>
         <p:nvSpPr>
-          <p:cNvPr id="159" name="Shape 159"/>
+          <p:cNvPr id="155" name="Shape 155"/>
           <p:cNvSpPr txBox="1"/>
           <p:nvPr>
             <p:ph idx="1" type="body"/>
@@ -13223,7 +13732,7 @@
         <p:spPr>
           <a:xfrm>
             <a:off x="311700" y="1152475"/>
-            <a:ext cx="2517000" cy="3416400"/>
+            <a:ext cx="2822400" cy="3416400"/>
           </a:xfrm>
           <a:prstGeom prst="rect">
             <a:avLst/>
@@ -13242,8 +13751,20 @@
             </a:pPr>
             <a:r>
               <a:rPr lang="en"/>
-              <a:t>User goes to Post at Dashboard</a:t>
-            </a:r>
+              <a:t>Upon first entering the application, Zip Code is to be set by the User and can be changed later by the User on the Account Page</a:t>
+            </a:r>
+          </a:p>
+          <a:p>
+            <a:pPr lvl="0" rtl="0">
+              <a:spcBef>
+                <a:spcPts val="0"/>
+              </a:spcBef>
+              <a:buNone/>
+            </a:pPr>
+            <a:r>
+              <a:t/>
+            </a:r>
+            <a:endParaRPr/>
           </a:p>
           <a:p>
             <a:pPr indent="-228600" lvl="0" marL="457200" rtl="0">
@@ -13253,36 +13774,18 @@
             </a:pPr>
             <a:r>
               <a:rPr lang="en"/>
-              <a:t>My Items shows all items for sale, the can be deleted from this page as well(swipe to delete)</a:t>
-            </a:r>
-          </a:p>
-          <a:p>
-            <a:pPr indent="-228600" lvl="0" marL="457200" rtl="0">
-              <a:spcBef>
-                <a:spcPts val="0"/>
-              </a:spcBef>
-            </a:pPr>
+              <a:t>A </a:t>
+            </a:r>
             <a:r>
               <a:rPr lang="en"/>
-              <a:t>Post an Item allows the User to fill in the required text and upload a picture for the item being sold</a:t>
-            </a:r>
-          </a:p>
-          <a:p>
-            <a:pPr indent="-228600" lvl="0" marL="457200">
-              <a:spcBef>
-                <a:spcPts val="0"/>
-              </a:spcBef>
-            </a:pPr>
-            <a:r>
-              <a:rPr lang="en"/>
-              <a:t>Item page is the link between Buyer and Seller</a:t>
+              <a:t>User can select an image pulling up an Item Page and the User can also navigate throughout all functions on the application</a:t>
             </a:r>
           </a:p>
         </p:txBody>
       </p:sp>
       <p:sp>
         <p:nvSpPr>
-          <p:cNvPr id="160" name="Shape 160"/>
+          <p:cNvPr id="156" name="Shape 156"/>
           <p:cNvSpPr txBox="1"/>
           <p:nvPr>
             <p:ph idx="2" type="body"/>
@@ -13303,7 +13806,7 @@
           </a:bodyPr>
           <a:lstStyle/>
           <a:p>
-            <a:pPr lvl="0">
+            <a:pPr lvl="0" rtl="0">
               <a:spcBef>
                 <a:spcPts val="0"/>
               </a:spcBef>
@@ -13318,7 +13821,7 @@
       </p:sp>
       <p:pic>
         <p:nvPicPr>
-          <p:cNvPr id="161" name="Shape 161"/>
+          <p:cNvPr descr="IMG_0363.PNG" id="157" name="Shape 157"/>
           <p:cNvPicPr preferRelativeResize="0"/>
           <p:nvPr/>
         </p:nvPicPr>
@@ -13332,8 +13835,8 @@
         </p:blipFill>
         <p:spPr>
           <a:xfrm>
-            <a:off x="3034962" y="1152475"/>
-            <a:ext cx="1866649" cy="3416400"/>
+            <a:off x="3804575" y="1152475"/>
+            <a:ext cx="1866651" cy="3416399"/>
           </a:xfrm>
           <a:prstGeom prst="rect">
             <a:avLst/>
@@ -13346,7 +13849,7 @@
       </p:pic>
       <p:pic>
         <p:nvPicPr>
-          <p:cNvPr id="162" name="Shape 162"/>
+          <p:cNvPr id="158" name="Shape 158"/>
           <p:cNvPicPr preferRelativeResize="0"/>
           <p:nvPr/>
         </p:nvPicPr>
@@ -13360,64 +13863,8 @@
         </p:blipFill>
         <p:spPr>
           <a:xfrm>
-            <a:off x="4999850" y="1152475"/>
-            <a:ext cx="1866649" cy="3416400"/>
-          </a:xfrm>
-          <a:prstGeom prst="rect">
-            <a:avLst/>
-          </a:prstGeom>
-          <a:noFill/>
-          <a:ln>
-            <a:noFill/>
-          </a:ln>
-        </p:spPr>
-      </p:pic>
-      <p:pic>
-        <p:nvPicPr>
-          <p:cNvPr id="163" name="Shape 163"/>
-          <p:cNvPicPr preferRelativeResize="0"/>
-          <p:nvPr/>
-        </p:nvPicPr>
-        <p:blipFill>
-          <a:blip r:embed="rId5">
-            <a:alphaModFix/>
-          </a:blip>
-          <a:stretch>
-            <a:fillRect/>
-          </a:stretch>
-        </p:blipFill>
-        <p:spPr>
-          <a:xfrm>
-            <a:off x="6964750" y="1152475"/>
-            <a:ext cx="1866625" cy="3416400"/>
-          </a:xfrm>
-          <a:prstGeom prst="rect">
-            <a:avLst/>
-          </a:prstGeom>
-          <a:noFill/>
-          <a:ln>
-            <a:noFill/>
-          </a:ln>
-        </p:spPr>
-      </p:pic>
-      <p:pic>
-        <p:nvPicPr>
-          <p:cNvPr id="164" name="Shape 164"/>
-          <p:cNvPicPr preferRelativeResize="0"/>
-          <p:nvPr/>
-        </p:nvPicPr>
-        <p:blipFill>
-          <a:blip r:embed="rId6">
-            <a:alphaModFix/>
-          </a:blip>
-          <a:stretch>
-            <a:fillRect/>
-          </a:stretch>
-        </p:blipFill>
-        <p:spPr>
-          <a:xfrm>
-            <a:off x="4999850" y="1152475"/>
-            <a:ext cx="1866625" cy="3416400"/>
+            <a:off x="6216212" y="1152475"/>
+            <a:ext cx="1914599" cy="3416400"/>
           </a:xfrm>
           <a:prstGeom prst="rect">
             <a:avLst/>
@@ -13441,7 +13888,7 @@
   <p:cSld>
     <p:spTree>
       <p:nvGrpSpPr>
-        <p:cNvPr id="168" name="Shape 168"/>
+        <p:cNvPr id="162" name="Shape 162"/>
         <p:cNvGrpSpPr/>
         <p:nvPr/>
       </p:nvGrpSpPr>
@@ -13455,7 +13902,7 @@
       </p:grpSpPr>
       <p:sp>
         <p:nvSpPr>
-          <p:cNvPr id="169" name="Shape 169"/>
+          <p:cNvPr id="163" name="Shape 163"/>
           <p:cNvSpPr txBox="1"/>
           <p:nvPr>
             <p:ph type="title"/>
@@ -13484,14 +13931,14 @@
             </a:pPr>
             <a:r>
               <a:rPr lang="en"/>
-              <a:t>Message Function and Rating System</a:t>
+              <a:t>Selling Post and Item Page</a:t>
             </a:r>
           </a:p>
         </p:txBody>
       </p:sp>
       <p:sp>
         <p:nvSpPr>
-          <p:cNvPr id="170" name="Shape 170"/>
+          <p:cNvPr id="164" name="Shape 164"/>
           <p:cNvSpPr txBox="1"/>
           <p:nvPr>
             <p:ph idx="1" type="body"/>
@@ -13500,7 +13947,7 @@
         <p:spPr>
           <a:xfrm>
             <a:off x="311700" y="1152475"/>
-            <a:ext cx="2614200" cy="3416400"/>
+            <a:ext cx="2517000" cy="3416400"/>
           </a:xfrm>
           <a:prstGeom prst="rect">
             <a:avLst/>
@@ -13519,20 +13966,8 @@
             </a:pPr>
             <a:r>
               <a:rPr lang="en"/>
-              <a:t>Chat Tab brings you to you message inbox</a:t>
-            </a:r>
-          </a:p>
-          <a:p>
-            <a:pPr lvl="0" rtl="0">
-              <a:spcBef>
-                <a:spcPts val="0"/>
-              </a:spcBef>
-              <a:buNone/>
-            </a:pPr>
-            <a:r>
-              <a:t/>
-            </a:r>
-            <a:endParaRPr/>
+              <a:t>User goes to Post at Dashboard</a:t>
+            </a:r>
           </a:p>
           <a:p>
             <a:pPr indent="-228600" lvl="0" marL="457200" rtl="0">
@@ -13542,20 +13977,19 @@
             </a:pPr>
             <a:r>
               <a:rPr lang="en"/>
-              <a:t>Once you click on a name it brings up the individual conversation</a:t>
-            </a:r>
-          </a:p>
-          <a:p>
-            <a:pPr lvl="0" rtl="0">
-              <a:spcBef>
-                <a:spcPts val="0"/>
-              </a:spcBef>
-              <a:buNone/>
-            </a:pPr>
-            <a:r>
-              <a:t/>
-            </a:r>
-            <a:endParaRPr/>
+              <a:t>My Items shows all items for sale, the can be deleted from this page as well(swipe to delete)</a:t>
+            </a:r>
+          </a:p>
+          <a:p>
+            <a:pPr indent="-228600" lvl="0" marL="457200" rtl="0">
+              <a:spcBef>
+                <a:spcPts val="0"/>
+              </a:spcBef>
+            </a:pPr>
+            <a:r>
+              <a:rPr lang="en"/>
+              <a:t>Post an Item allows the User to fill in the required text and upload a picture for the item being sold</a:t>
+            </a:r>
           </a:p>
           <a:p>
             <a:pPr indent="-228600" lvl="0" marL="457200">
@@ -13565,14 +13999,14 @@
             </a:pPr>
             <a:r>
               <a:rPr lang="en"/>
-              <a:t>If you click User Rating you can see the reviews for a person</a:t>
+              <a:t>Item page is the link between Buyer and Seller</a:t>
             </a:r>
           </a:p>
         </p:txBody>
       </p:sp>
       <p:sp>
         <p:nvSpPr>
-          <p:cNvPr id="171" name="Shape 171"/>
+          <p:cNvPr id="165" name="Shape 165"/>
           <p:cNvSpPr txBox="1"/>
           <p:nvPr>
             <p:ph idx="2" type="body"/>
@@ -13608,7 +14042,7 @@
       </p:sp>
       <p:pic>
         <p:nvPicPr>
-          <p:cNvPr id="172" name="Shape 172"/>
+          <p:cNvPr id="166" name="Shape 166"/>
           <p:cNvPicPr preferRelativeResize="0"/>
           <p:nvPr/>
         </p:nvPicPr>
@@ -13622,7 +14056,7 @@
         </p:blipFill>
         <p:spPr>
           <a:xfrm>
-            <a:off x="3023425" y="1152475"/>
+            <a:off x="3034962" y="1152475"/>
             <a:ext cx="1866649" cy="3416400"/>
           </a:xfrm>
           <a:prstGeom prst="rect">
@@ -13636,7 +14070,7 @@
       </p:pic>
       <p:pic>
         <p:nvPicPr>
-          <p:cNvPr id="173" name="Shape 173"/>
+          <p:cNvPr id="167" name="Shape 167"/>
           <p:cNvPicPr preferRelativeResize="0"/>
           <p:nvPr/>
         </p:nvPicPr>
@@ -13650,8 +14084,8 @@
         </p:blipFill>
         <p:spPr>
           <a:xfrm>
-            <a:off x="4987600" y="1152475"/>
-            <a:ext cx="1866650" cy="3416400"/>
+            <a:off x="4999850" y="1152475"/>
+            <a:ext cx="1866649" cy="3416400"/>
           </a:xfrm>
           <a:prstGeom prst="rect">
             <a:avLst/>
@@ -13664,7 +14098,7 @@
       </p:pic>
       <p:pic>
         <p:nvPicPr>
-          <p:cNvPr id="174" name="Shape 174"/>
+          <p:cNvPr id="168" name="Shape 168"/>
           <p:cNvPicPr preferRelativeResize="0"/>
           <p:nvPr/>
         </p:nvPicPr>
@@ -13678,8 +14112,36 @@
         </p:blipFill>
         <p:spPr>
           <a:xfrm>
-            <a:off x="6951775" y="1152475"/>
-            <a:ext cx="1866650" cy="3416400"/>
+            <a:off x="6964750" y="1152475"/>
+            <a:ext cx="1866625" cy="3416400"/>
+          </a:xfrm>
+          <a:prstGeom prst="rect">
+            <a:avLst/>
+          </a:prstGeom>
+          <a:noFill/>
+          <a:ln>
+            <a:noFill/>
+          </a:ln>
+        </p:spPr>
+      </p:pic>
+      <p:pic>
+        <p:nvPicPr>
+          <p:cNvPr id="169" name="Shape 169"/>
+          <p:cNvPicPr preferRelativeResize="0"/>
+          <p:nvPr/>
+        </p:nvPicPr>
+        <p:blipFill>
+          <a:blip r:embed="rId6">
+            <a:alphaModFix/>
+          </a:blip>
+          <a:stretch>
+            <a:fillRect/>
+          </a:stretch>
+        </p:blipFill>
+        <p:spPr>
+          <a:xfrm>
+            <a:off x="4999850" y="1152475"/>
+            <a:ext cx="1866625" cy="3416400"/>
           </a:xfrm>
           <a:prstGeom prst="rect">
             <a:avLst/>
@@ -13978,6 +14440,285 @@
 </file>
 
 <file path=ppt/theme/theme2.xml><?xml version="1.0" encoding="utf-8"?>
+<a:theme xmlns:a="http://schemas.openxmlformats.org/drawingml/2006/main" xmlns:r="http://schemas.openxmlformats.org/officeDocument/2006/relationships" name="slate">
+  <a:themeElements>
+    <a:clrScheme name="Slate">
+      <a:dk1>
+        <a:srgbClr val="FFFFFF"/>
+      </a:dk1>
+      <a:lt1>
+        <a:srgbClr val="37474F"/>
+      </a:lt1>
+      <a:dk2>
+        <a:srgbClr val="9E9E9E"/>
+      </a:dk2>
+      <a:lt2>
+        <a:srgbClr val="E0E0E0"/>
+      </a:lt2>
+      <a:accent1>
+        <a:srgbClr val="616161"/>
+      </a:accent1>
+      <a:accent2>
+        <a:srgbClr val="78909C"/>
+      </a:accent2>
+      <a:accent3>
+        <a:srgbClr val="CACACA"/>
+      </a:accent3>
+      <a:accent4>
+        <a:srgbClr val="64FFDA"/>
+      </a:accent4>
+      <a:accent5>
+        <a:srgbClr val="FFD966"/>
+      </a:accent5>
+      <a:accent6>
+        <a:srgbClr val="F5F5F5"/>
+      </a:accent6>
+      <a:hlink>
+        <a:srgbClr val="FFD966"/>
+      </a:hlink>
+      <a:folHlink>
+        <a:srgbClr val="FFD966"/>
+      </a:folHlink>
+    </a:clrScheme>
+    <a:fontScheme name="Office">
+      <a:majorFont>
+        <a:latin typeface="Arial"/>
+        <a:ea typeface=""/>
+        <a:cs typeface=""/>
+        <a:font script="Jpan" typeface="ＭＳ Ｐゴシック"/>
+        <a:font script="Hang" typeface="맑은 고딕"/>
+        <a:font script="Hans" typeface="宋体"/>
+        <a:font script="Hant" typeface="新細明體"/>
+        <a:font script="Arab" typeface="Times New Roman"/>
+        <a:font script="Hebr" typeface="Times New Roman"/>
+        <a:font script="Thai" typeface="Angsana New"/>
+        <a:font script="Ethi" typeface="Nyala"/>
+        <a:font script="Beng" typeface="Vrinda"/>
+        <a:font script="Gujr" typeface="Shruti"/>
+        <a:font script="Khmr" typeface="MoolBoran"/>
+        <a:font script="Knda" typeface="Tunga"/>
+        <a:font script="Guru" typeface="Raavi"/>
+        <a:font script="Cans" typeface="Euphemia"/>
+        <a:font script="Cher" typeface="Plantagenet Cherokee"/>
+        <a:font script="Yiii" typeface="Microsoft Yi Baiti"/>
+        <a:font script="Tibt" typeface="Microsoft Himalaya"/>
+        <a:font script="Thaa" typeface="MV Boli"/>
+        <a:font script="Deva" typeface="Mangal"/>
+        <a:font script="Telu" typeface="Gautami"/>
+        <a:font script="Taml" typeface="Latha"/>
+        <a:font script="Syrc" typeface="Estrangelo Edessa"/>
+        <a:font script="Orya" typeface="Kalinga"/>
+        <a:font script="Mlym" typeface="Kartika"/>
+        <a:font script="Laoo" typeface="DokChampa"/>
+        <a:font script="Sinh" typeface="Iskoola Pota"/>
+        <a:font script="Mong" typeface="Mongolian Baiti"/>
+        <a:font script="Viet" typeface="Times New Roman"/>
+        <a:font script="Uigh" typeface="Microsoft Uighur"/>
+        <a:font script="Geor" typeface="Sylfaen"/>
+      </a:majorFont>
+      <a:minorFont>
+        <a:latin typeface="Arial"/>
+        <a:ea typeface=""/>
+        <a:cs typeface=""/>
+        <a:font script="Jpan" typeface="ＭＳ Ｐゴシック"/>
+        <a:font script="Hang" typeface="맑은 고딕"/>
+        <a:font script="Hans" typeface="宋体"/>
+        <a:font script="Hant" typeface="新細明體"/>
+        <a:font script="Arab" typeface="Arial"/>
+        <a:font script="Hebr" typeface="Arial"/>
+        <a:font script="Thai" typeface="Cordia New"/>
+        <a:font script="Ethi" typeface="Nyala"/>
+        <a:font script="Beng" typeface="Vrinda"/>
+        <a:font script="Gujr" typeface="Shruti"/>
+        <a:font script="Khmr" typeface="DaunPenh"/>
+        <a:font script="Knda" typeface="Tunga"/>
+        <a:font script="Guru" typeface="Raavi"/>
+        <a:font script="Cans" typeface="Euphemia"/>
+        <a:font script="Cher" typeface="Plantagenet Cherokee"/>
+        <a:font script="Yiii" typeface="Microsoft Yi Baiti"/>
+        <a:font script="Tibt" typeface="Microsoft Himalaya"/>
+        <a:font script="Thaa" typeface="MV Boli"/>
+        <a:font script="Deva" typeface="Mangal"/>
+        <a:font script="Telu" typeface="Gautami"/>
+        <a:font script="Taml" typeface="Latha"/>
+        <a:font script="Syrc" typeface="Estrangelo Edessa"/>
+        <a:font script="Orya" typeface="Kalinga"/>
+        <a:font script="Mlym" typeface="Kartika"/>
+        <a:font script="Laoo" typeface="DokChampa"/>
+        <a:font script="Sinh" typeface="Iskoola Pota"/>
+        <a:font script="Mong" typeface="Mongolian Baiti"/>
+        <a:font script="Viet" typeface="Arial"/>
+        <a:font script="Uigh" typeface="Microsoft Uighur"/>
+        <a:font script="Geor" typeface="Sylfaen"/>
+      </a:minorFont>
+    </a:fontScheme>
+    <a:fmtScheme name="Office">
+      <a:fillStyleLst>
+        <a:solidFill>
+          <a:schemeClr val="phClr"/>
+        </a:solidFill>
+        <a:gradFill rotWithShape="1">
+          <a:gsLst>
+            <a:gs pos="0">
+              <a:schemeClr val="phClr">
+                <a:tint val="50000"/>
+                <a:satMod val="300000"/>
+              </a:schemeClr>
+            </a:gs>
+            <a:gs pos="35000">
+              <a:schemeClr val="phClr">
+                <a:tint val="37000"/>
+                <a:satMod val="300000"/>
+              </a:schemeClr>
+            </a:gs>
+            <a:gs pos="100000">
+              <a:schemeClr val="phClr">
+                <a:tint val="15000"/>
+                <a:satMod val="350000"/>
+              </a:schemeClr>
+            </a:gs>
+          </a:gsLst>
+          <a:lin ang="16200000" scaled="1"/>
+        </a:gradFill>
+        <a:gradFill rotWithShape="1">
+          <a:gsLst>
+            <a:gs pos="0">
+              <a:schemeClr val="phClr">
+                <a:tint val="100000"/>
+                <a:shade val="100000"/>
+                <a:satMod val="130000"/>
+              </a:schemeClr>
+            </a:gs>
+            <a:gs pos="100000">
+              <a:schemeClr val="phClr">
+                <a:tint val="50000"/>
+                <a:shade val="100000"/>
+                <a:satMod val="350000"/>
+              </a:schemeClr>
+            </a:gs>
+          </a:gsLst>
+          <a:lin ang="16200000" scaled="0"/>
+        </a:gradFill>
+      </a:fillStyleLst>
+      <a:lnStyleLst>
+        <a:ln w="9525" cap="flat" cmpd="sng" algn="ctr">
+          <a:solidFill>
+            <a:schemeClr val="phClr">
+              <a:shade val="95000"/>
+              <a:satMod val="105000"/>
+            </a:schemeClr>
+          </a:solidFill>
+          <a:prstDash val="solid"/>
+        </a:ln>
+        <a:ln w="25400" cap="flat" cmpd="sng" algn="ctr">
+          <a:solidFill>
+            <a:schemeClr val="phClr"/>
+          </a:solidFill>
+          <a:prstDash val="solid"/>
+        </a:ln>
+        <a:ln w="38100" cap="flat" cmpd="sng" algn="ctr">
+          <a:solidFill>
+            <a:schemeClr val="phClr"/>
+          </a:solidFill>
+          <a:prstDash val="solid"/>
+        </a:ln>
+      </a:lnStyleLst>
+      <a:effectStyleLst>
+        <a:effectStyle>
+          <a:effectLst>
+            <a:outerShdw blurRad="40000" dist="20000" dir="5400000" rotWithShape="0">
+              <a:srgbClr val="000000">
+                <a:alpha val="38000"/>
+              </a:srgbClr>
+            </a:outerShdw>
+          </a:effectLst>
+        </a:effectStyle>
+        <a:effectStyle>
+          <a:effectLst>
+            <a:outerShdw blurRad="40000" dist="23000" dir="5400000" rotWithShape="0">
+              <a:srgbClr val="000000">
+                <a:alpha val="35000"/>
+              </a:srgbClr>
+            </a:outerShdw>
+          </a:effectLst>
+        </a:effectStyle>
+        <a:effectStyle>
+          <a:effectLst>
+            <a:outerShdw blurRad="40000" dist="23000" dir="5400000" rotWithShape="0">
+              <a:srgbClr val="000000">
+                <a:alpha val="35000"/>
+              </a:srgbClr>
+            </a:outerShdw>
+          </a:effectLst>
+          <a:scene3d>
+            <a:camera prst="orthographicFront">
+              <a:rot lat="0" lon="0" rev="0"/>
+            </a:camera>
+            <a:lightRig rig="threePt" dir="t">
+              <a:rot lat="0" lon="0" rev="1200000"/>
+            </a:lightRig>
+          </a:scene3d>
+          <a:sp3d>
+            <a:bevelT w="63500" h="25400"/>
+          </a:sp3d>
+        </a:effectStyle>
+      </a:effectStyleLst>
+      <a:bgFillStyleLst>
+        <a:solidFill>
+          <a:schemeClr val="phClr"/>
+        </a:solidFill>
+        <a:gradFill rotWithShape="1">
+          <a:gsLst>
+            <a:gs pos="0">
+              <a:schemeClr val="phClr">
+                <a:tint val="40000"/>
+                <a:satMod val="350000"/>
+              </a:schemeClr>
+            </a:gs>
+            <a:gs pos="40000">
+              <a:schemeClr val="phClr">
+                <a:tint val="45000"/>
+                <a:shade val="99000"/>
+                <a:satMod val="350000"/>
+              </a:schemeClr>
+            </a:gs>
+            <a:gs pos="100000">
+              <a:schemeClr val="phClr">
+                <a:shade val="20000"/>
+                <a:satMod val="255000"/>
+              </a:schemeClr>
+            </a:gs>
+          </a:gsLst>
+          <a:path path="circle">
+            <a:fillToRect l="50000" t="-80000" r="50000" b="180000"/>
+          </a:path>
+        </a:gradFill>
+        <a:gradFill rotWithShape="1">
+          <a:gsLst>
+            <a:gs pos="0">
+              <a:schemeClr val="phClr">
+                <a:tint val="80000"/>
+                <a:satMod val="300000"/>
+              </a:schemeClr>
+            </a:gs>
+            <a:gs pos="100000">
+              <a:schemeClr val="phClr">
+                <a:shade val="30000"/>
+                <a:satMod val="200000"/>
+              </a:schemeClr>
+            </a:gs>
+          </a:gsLst>
+          <a:path path="circle">
+            <a:fillToRect l="50000" t="50000" r="50000" b="50000"/>
+          </a:path>
+        </a:gradFill>
+      </a:bgFillStyleLst>
+    </a:fmtScheme>
+  </a:themeElements>
+</a:theme>
+</file>
+
+<file path=ppt/theme/theme3.xml><?xml version="1.0" encoding="utf-8"?>
 <a:theme xmlns:a="http://schemas.openxmlformats.org/drawingml/2006/main" xmlns:r="http://schemas.openxmlformats.org/officeDocument/2006/relationships" name="Custom Theme">
   <a:themeElements>
     <a:clrScheme name="Default">
@@ -14254,283 +14995,4 @@
     </a:fmtScheme>
   </a:themeElements>
 </a:theme>
-</file>
-
-<file path=ppt/theme/theme3.xml><?xml version="1.0" encoding="utf-8"?>
-<a:theme xmlns:a="http://schemas.openxmlformats.org/drawingml/2006/main" xmlns:r="http://schemas.openxmlformats.org/officeDocument/2006/relationships" name="slate">
-  <a:themeElements>
-    <a:clrScheme name="Slate">
-      <a:dk1>
-        <a:srgbClr val="FFFFFF"/>
-      </a:dk1>
-      <a:lt1>
-        <a:srgbClr val="37474F"/>
-      </a:lt1>
-      <a:dk2>
-        <a:srgbClr val="9E9E9E"/>
-      </a:dk2>
-      <a:lt2>
-        <a:srgbClr val="E0E0E0"/>
-      </a:lt2>
-      <a:accent1>
-        <a:srgbClr val="616161"/>
-      </a:accent1>
-      <a:accent2>
-        <a:srgbClr val="78909C"/>
-      </a:accent2>
-      <a:accent3>
-        <a:srgbClr val="CACACA"/>
-      </a:accent3>
-      <a:accent4>
-        <a:srgbClr val="64FFDA"/>
-      </a:accent4>
-      <a:accent5>
-        <a:srgbClr val="FFD966"/>
-      </a:accent5>
-      <a:accent6>
-        <a:srgbClr val="F5F5F5"/>
-      </a:accent6>
-      <a:hlink>
-        <a:srgbClr val="FFD966"/>
-      </a:hlink>
-      <a:folHlink>
-        <a:srgbClr val="FFD966"/>
-      </a:folHlink>
-    </a:clrScheme>
-    <a:fontScheme name="Office">
-      <a:majorFont>
-        <a:latin typeface="Arial"/>
-        <a:ea typeface=""/>
-        <a:cs typeface=""/>
-        <a:font script="Jpan" typeface="ＭＳ Ｐゴシック"/>
-        <a:font script="Hang" typeface="맑은 고딕"/>
-        <a:font script="Hans" typeface="宋体"/>
-        <a:font script="Hant" typeface="新細明體"/>
-        <a:font script="Arab" typeface="Times New Roman"/>
-        <a:font script="Hebr" typeface="Times New Roman"/>
-        <a:font script="Thai" typeface="Angsana New"/>
-        <a:font script="Ethi" typeface="Nyala"/>
-        <a:font script="Beng" typeface="Vrinda"/>
-        <a:font script="Gujr" typeface="Shruti"/>
-        <a:font script="Khmr" typeface="MoolBoran"/>
-        <a:font script="Knda" typeface="Tunga"/>
-        <a:font script="Guru" typeface="Raavi"/>
-        <a:font script="Cans" typeface="Euphemia"/>
-        <a:font script="Cher" typeface="Plantagenet Cherokee"/>
-        <a:font script="Yiii" typeface="Microsoft Yi Baiti"/>
-        <a:font script="Tibt" typeface="Microsoft Himalaya"/>
-        <a:font script="Thaa" typeface="MV Boli"/>
-        <a:font script="Deva" typeface="Mangal"/>
-        <a:font script="Telu" typeface="Gautami"/>
-        <a:font script="Taml" typeface="Latha"/>
-        <a:font script="Syrc" typeface="Estrangelo Edessa"/>
-        <a:font script="Orya" typeface="Kalinga"/>
-        <a:font script="Mlym" typeface="Kartika"/>
-        <a:font script="Laoo" typeface="DokChampa"/>
-        <a:font script="Sinh" typeface="Iskoola Pota"/>
-        <a:font script="Mong" typeface="Mongolian Baiti"/>
-        <a:font script="Viet" typeface="Times New Roman"/>
-        <a:font script="Uigh" typeface="Microsoft Uighur"/>
-        <a:font script="Geor" typeface="Sylfaen"/>
-      </a:majorFont>
-      <a:minorFont>
-        <a:latin typeface="Arial"/>
-        <a:ea typeface=""/>
-        <a:cs typeface=""/>
-        <a:font script="Jpan" typeface="ＭＳ Ｐゴシック"/>
-        <a:font script="Hang" typeface="맑은 고딕"/>
-        <a:font script="Hans" typeface="宋体"/>
-        <a:font script="Hant" typeface="新細明體"/>
-        <a:font script="Arab" typeface="Arial"/>
-        <a:font script="Hebr" typeface="Arial"/>
-        <a:font script="Thai" typeface="Cordia New"/>
-        <a:font script="Ethi" typeface="Nyala"/>
-        <a:font script="Beng" typeface="Vrinda"/>
-        <a:font script="Gujr" typeface="Shruti"/>
-        <a:font script="Khmr" typeface="DaunPenh"/>
-        <a:font script="Knda" typeface="Tunga"/>
-        <a:font script="Guru" typeface="Raavi"/>
-        <a:font script="Cans" typeface="Euphemia"/>
-        <a:font script="Cher" typeface="Plantagenet Cherokee"/>
-        <a:font script="Yiii" typeface="Microsoft Yi Baiti"/>
-        <a:font script="Tibt" typeface="Microsoft Himalaya"/>
-        <a:font script="Thaa" typeface="MV Boli"/>
-        <a:font script="Deva" typeface="Mangal"/>
-        <a:font script="Telu" typeface="Gautami"/>
-        <a:font script="Taml" typeface="Latha"/>
-        <a:font script="Syrc" typeface="Estrangelo Edessa"/>
-        <a:font script="Orya" typeface="Kalinga"/>
-        <a:font script="Mlym" typeface="Kartika"/>
-        <a:font script="Laoo" typeface="DokChampa"/>
-        <a:font script="Sinh" typeface="Iskoola Pota"/>
-        <a:font script="Mong" typeface="Mongolian Baiti"/>
-        <a:font script="Viet" typeface="Arial"/>
-        <a:font script="Uigh" typeface="Microsoft Uighur"/>
-        <a:font script="Geor" typeface="Sylfaen"/>
-      </a:minorFont>
-    </a:fontScheme>
-    <a:fmtScheme name="Office">
-      <a:fillStyleLst>
-        <a:solidFill>
-          <a:schemeClr val="phClr"/>
-        </a:solidFill>
-        <a:gradFill rotWithShape="1">
-          <a:gsLst>
-            <a:gs pos="0">
-              <a:schemeClr val="phClr">
-                <a:tint val="50000"/>
-                <a:satMod val="300000"/>
-              </a:schemeClr>
-            </a:gs>
-            <a:gs pos="35000">
-              <a:schemeClr val="phClr">
-                <a:tint val="37000"/>
-                <a:satMod val="300000"/>
-              </a:schemeClr>
-            </a:gs>
-            <a:gs pos="100000">
-              <a:schemeClr val="phClr">
-                <a:tint val="15000"/>
-                <a:satMod val="350000"/>
-              </a:schemeClr>
-            </a:gs>
-          </a:gsLst>
-          <a:lin ang="16200000" scaled="1"/>
-        </a:gradFill>
-        <a:gradFill rotWithShape="1">
-          <a:gsLst>
-            <a:gs pos="0">
-              <a:schemeClr val="phClr">
-                <a:tint val="100000"/>
-                <a:shade val="100000"/>
-                <a:satMod val="130000"/>
-              </a:schemeClr>
-            </a:gs>
-            <a:gs pos="100000">
-              <a:schemeClr val="phClr">
-                <a:tint val="50000"/>
-                <a:shade val="100000"/>
-                <a:satMod val="350000"/>
-              </a:schemeClr>
-            </a:gs>
-          </a:gsLst>
-          <a:lin ang="16200000" scaled="0"/>
-        </a:gradFill>
-      </a:fillStyleLst>
-      <a:lnStyleLst>
-        <a:ln w="9525" cap="flat" cmpd="sng" algn="ctr">
-          <a:solidFill>
-            <a:schemeClr val="phClr">
-              <a:shade val="95000"/>
-              <a:satMod val="105000"/>
-            </a:schemeClr>
-          </a:solidFill>
-          <a:prstDash val="solid"/>
-        </a:ln>
-        <a:ln w="25400" cap="flat" cmpd="sng" algn="ctr">
-          <a:solidFill>
-            <a:schemeClr val="phClr"/>
-          </a:solidFill>
-          <a:prstDash val="solid"/>
-        </a:ln>
-        <a:ln w="38100" cap="flat" cmpd="sng" algn="ctr">
-          <a:solidFill>
-            <a:schemeClr val="phClr"/>
-          </a:solidFill>
-          <a:prstDash val="solid"/>
-        </a:ln>
-      </a:lnStyleLst>
-      <a:effectStyleLst>
-        <a:effectStyle>
-          <a:effectLst>
-            <a:outerShdw blurRad="40000" dist="20000" dir="5400000" rotWithShape="0">
-              <a:srgbClr val="000000">
-                <a:alpha val="38000"/>
-              </a:srgbClr>
-            </a:outerShdw>
-          </a:effectLst>
-        </a:effectStyle>
-        <a:effectStyle>
-          <a:effectLst>
-            <a:outerShdw blurRad="40000" dist="23000" dir="5400000" rotWithShape="0">
-              <a:srgbClr val="000000">
-                <a:alpha val="35000"/>
-              </a:srgbClr>
-            </a:outerShdw>
-          </a:effectLst>
-        </a:effectStyle>
-        <a:effectStyle>
-          <a:effectLst>
-            <a:outerShdw blurRad="40000" dist="23000" dir="5400000" rotWithShape="0">
-              <a:srgbClr val="000000">
-                <a:alpha val="35000"/>
-              </a:srgbClr>
-            </a:outerShdw>
-          </a:effectLst>
-          <a:scene3d>
-            <a:camera prst="orthographicFront">
-              <a:rot lat="0" lon="0" rev="0"/>
-            </a:camera>
-            <a:lightRig rig="threePt" dir="t">
-              <a:rot lat="0" lon="0" rev="1200000"/>
-            </a:lightRig>
-          </a:scene3d>
-          <a:sp3d>
-            <a:bevelT w="63500" h="25400"/>
-          </a:sp3d>
-        </a:effectStyle>
-      </a:effectStyleLst>
-      <a:bgFillStyleLst>
-        <a:solidFill>
-          <a:schemeClr val="phClr"/>
-        </a:solidFill>
-        <a:gradFill rotWithShape="1">
-          <a:gsLst>
-            <a:gs pos="0">
-              <a:schemeClr val="phClr">
-                <a:tint val="40000"/>
-                <a:satMod val="350000"/>
-              </a:schemeClr>
-            </a:gs>
-            <a:gs pos="40000">
-              <a:schemeClr val="phClr">
-                <a:tint val="45000"/>
-                <a:shade val="99000"/>
-                <a:satMod val="350000"/>
-              </a:schemeClr>
-            </a:gs>
-            <a:gs pos="100000">
-              <a:schemeClr val="phClr">
-                <a:shade val="20000"/>
-                <a:satMod val="255000"/>
-              </a:schemeClr>
-            </a:gs>
-          </a:gsLst>
-          <a:path path="circle">
-            <a:fillToRect l="50000" t="-80000" r="50000" b="180000"/>
-          </a:path>
-        </a:gradFill>
-        <a:gradFill rotWithShape="1">
-          <a:gsLst>
-            <a:gs pos="0">
-              <a:schemeClr val="phClr">
-                <a:tint val="80000"/>
-                <a:satMod val="300000"/>
-              </a:schemeClr>
-            </a:gs>
-            <a:gs pos="100000">
-              <a:schemeClr val="phClr">
-                <a:shade val="30000"/>
-                <a:satMod val="200000"/>
-              </a:schemeClr>
-            </a:gs>
-          </a:gsLst>
-          <a:path path="circle">
-            <a:fillToRect l="50000" t="50000" r="50000" b="50000"/>
-          </a:path>
-        </a:gradFill>
-      </a:bgFillStyleLst>
-    </a:fmtScheme>
-  </a:themeElements>
-</a:theme>
 </file>